--- a/documentation_source/figure_sources.pptx
+++ b/documentation_source/figure_sources.pptx
@@ -5,16 +5,17 @@
     <p:sldMasterId id="2147483648" r:id="rId1"/>
   </p:sldMasterIdLst>
   <p:notesMasterIdLst>
-    <p:notesMasterId r:id="rId9"/>
+    <p:notesMasterId r:id="rId10"/>
   </p:notesMasterIdLst>
   <p:sldIdLst>
     <p:sldId id="261" r:id="rId2"/>
-    <p:sldId id="262" r:id="rId3"/>
-    <p:sldId id="258" r:id="rId4"/>
-    <p:sldId id="263" r:id="rId5"/>
-    <p:sldId id="260" r:id="rId6"/>
-    <p:sldId id="256" r:id="rId7"/>
-    <p:sldId id="257" r:id="rId8"/>
+    <p:sldId id="264" r:id="rId3"/>
+    <p:sldId id="262" r:id="rId4"/>
+    <p:sldId id="258" r:id="rId5"/>
+    <p:sldId id="263" r:id="rId6"/>
+    <p:sldId id="260" r:id="rId7"/>
+    <p:sldId id="256" r:id="rId8"/>
+    <p:sldId id="257" r:id="rId9"/>
   </p:sldIdLst>
   <p:sldSz cx="12192000" cy="6858000"/>
   <p:notesSz cx="7315200" cy="9601200"/>
@@ -252,7 +253,7 @@
       <p15:sldGuideLst xmlns:p15="http://schemas.microsoft.com/office/powerpoint/2012/main"/>
     </p:ext>
     <p:ext uri="http://customooxmlschemas.google.com/">
-      <go:slidesCustomData xmlns="" xmlns:mc="http://schemas.openxmlformats.org/markup-compatibility/2006" xmlns:mv="urn:schemas-microsoft-com:mac:vml" xmlns:c="http://schemas.openxmlformats.org/drawingml/2006/chart" xmlns:dgm="http://schemas.openxmlformats.org/drawingml/2006/diagram" xmlns:o="urn:schemas-microsoft-com:office:office" xmlns:v="urn:schemas-microsoft-com:vml" xmlns:pvml="urn:schemas-microsoft-com:office:powerpoint" xmlns:com="http://schemas.openxmlformats.org/drawingml/2006/compatibility" xmlns:p14="http://schemas.microsoft.com/office/powerpoint/2010/main" xmlns:p15="http://schemas.microsoft.com/office/powerpoint/2012/main" xmlns:go="http://customooxmlschemas.google.com/" r:id="rId10" roundtripDataSignature="AMtx7mjnr0tgYATAihCOE268sFz9HbsQAg=="/>
+      <go:slidesCustomData xmlns:go="http://customooxmlschemas.google.com/" xmlns:p15="http://schemas.microsoft.com/office/powerpoint/2012/main" xmlns:p14="http://schemas.microsoft.com/office/powerpoint/2010/main" xmlns:com="http://schemas.openxmlformats.org/drawingml/2006/compatibility" xmlns:pvml="urn:schemas-microsoft-com:office:powerpoint" xmlns:v="urn:schemas-microsoft-com:vml" xmlns:o="urn:schemas-microsoft-com:office:office" xmlns:dgm="http://schemas.openxmlformats.org/drawingml/2006/diagram" xmlns:c="http://schemas.openxmlformats.org/drawingml/2006/chart" xmlns:mv="urn:schemas-microsoft-com:mac:vml" xmlns:mc="http://schemas.openxmlformats.org/markup-compatibility/2006" xmlns="" r:id="rId11" roundtripDataSignature="AMtx7mjnr0tgYATAihCOE268sFz9HbsQAg=="/>
     </p:ext>
   </p:extLst>
 </p:presentation>
@@ -1743,7 +1744,7 @@
     </p:spTree>
     <p:extLst>
       <p:ext uri="{BB962C8B-B14F-4D97-AF65-F5344CB8AC3E}">
-        <p14:creationId xmlns:p14="http://schemas.microsoft.com/office/powerpoint/2010/main" val="3092226793"/>
+        <p14:creationId xmlns:p14="http://schemas.microsoft.com/office/powerpoint/2010/main" val="750389011"/>
       </p:ext>
     </p:extLst>
   </p:cSld>
@@ -1898,7 +1899,7 @@
     </p:spTree>
     <p:extLst>
       <p:ext uri="{BB962C8B-B14F-4D97-AF65-F5344CB8AC3E}">
-        <p14:creationId xmlns:p14="http://schemas.microsoft.com/office/powerpoint/2010/main" val="2167017731"/>
+        <p14:creationId xmlns:p14="http://schemas.microsoft.com/office/powerpoint/2010/main" val="3092226793"/>
       </p:ext>
     </p:extLst>
   </p:cSld>
@@ -2053,6 +2054,161 @@
     </p:spTree>
     <p:extLst>
       <p:ext uri="{BB962C8B-B14F-4D97-AF65-F5344CB8AC3E}">
+        <p14:creationId xmlns:p14="http://schemas.microsoft.com/office/powerpoint/2010/main" val="2167017731"/>
+      </p:ext>
+    </p:extLst>
+  </p:cSld>
+  <p:clrMapOvr>
+    <a:masterClrMapping/>
+  </p:clrMapOvr>
+</p:notes>
+</file>
+
+<file path=ppt/notesSlides/notesSlide5.xml><?xml version="1.0" encoding="utf-8"?>
+<p:notes xmlns:a="http://schemas.openxmlformats.org/drawingml/2006/main" xmlns:r="http://schemas.openxmlformats.org/officeDocument/2006/relationships" xmlns:p="http://schemas.openxmlformats.org/presentationml/2006/main" showMasterSp="0" showMasterPhAnim="0">
+  <p:cSld>
+    <p:spTree>
+      <p:nvGrpSpPr>
+        <p:cNvPr id="1" name="Shape 84"/>
+        <p:cNvGrpSpPr/>
+        <p:nvPr/>
+      </p:nvGrpSpPr>
+      <p:grpSpPr>
+        <a:xfrm>
+          <a:off x="0" y="0"/>
+          <a:ext cx="0" cy="0"/>
+          <a:chOff x="0" y="0"/>
+          <a:chExt cx="0" cy="0"/>
+        </a:xfrm>
+      </p:grpSpPr>
+      <p:sp>
+        <p:nvSpPr>
+          <p:cNvPr id="85" name="Google Shape;85;g5b0f7406fe_0_0:notes"/>
+          <p:cNvSpPr>
+            <a:spLocks noGrp="1" noRot="1" noChangeAspect="1"/>
+          </p:cNvSpPr>
+          <p:nvPr>
+            <p:ph type="sldImg" idx="2"/>
+          </p:nvPr>
+        </p:nvSpPr>
+        <p:spPr>
+          <a:xfrm>
+            <a:off x="777875" y="1200150"/>
+            <a:ext cx="5759450" cy="3240088"/>
+          </a:xfrm>
+          <a:custGeom>
+            <a:avLst/>
+            <a:gdLst/>
+            <a:ahLst/>
+            <a:cxnLst/>
+            <a:rect l="l" t="t" r="r" b="b"/>
+            <a:pathLst>
+              <a:path w="120000" h="120000" extrusionOk="0">
+                <a:moveTo>
+                  <a:pt x="0" y="0"/>
+                </a:moveTo>
+                <a:lnTo>
+                  <a:pt x="120000" y="0"/>
+                </a:lnTo>
+                <a:lnTo>
+                  <a:pt x="120000" y="120000"/>
+                </a:lnTo>
+                <a:lnTo>
+                  <a:pt x="0" y="120000"/>
+                </a:lnTo>
+                <a:close/>
+              </a:path>
+            </a:pathLst>
+          </a:custGeom>
+        </p:spPr>
+      </p:sp>
+      <p:sp>
+        <p:nvSpPr>
+          <p:cNvPr id="86" name="Google Shape;86;g5b0f7406fe_0_0:notes"/>
+          <p:cNvSpPr txBox="1">
+            <a:spLocks noGrp="1"/>
+          </p:cNvSpPr>
+          <p:nvPr>
+            <p:ph type="body" idx="1"/>
+          </p:nvPr>
+        </p:nvSpPr>
+        <p:spPr>
+          <a:xfrm>
+            <a:off x="731520" y="4620577"/>
+            <a:ext cx="5852100" cy="3780600"/>
+          </a:xfrm>
+          <a:prstGeom prst="rect">
+            <a:avLst/>
+          </a:prstGeom>
+        </p:spPr>
+        <p:txBody>
+          <a:bodyPr spcFirstLastPara="1" wrap="square" lIns="96625" tIns="48300" rIns="96625" bIns="48300" anchor="t" anchorCtr="0">
+            <a:noAutofit/>
+          </a:bodyPr>
+          <a:lstStyle/>
+          <a:p>
+            <a:pPr marL="0" lvl="0" indent="0" algn="l" rtl="0">
+              <a:spcBef>
+                <a:spcPts val="0"/>
+              </a:spcBef>
+              <a:spcAft>
+                <a:spcPts val="0"/>
+              </a:spcAft>
+              <a:buNone/>
+            </a:pPr>
+            <a:endParaRPr dirty="0"/>
+          </a:p>
+        </p:txBody>
+      </p:sp>
+      <p:sp>
+        <p:nvSpPr>
+          <p:cNvPr id="87" name="Google Shape;87;g5b0f7406fe_0_0:notes"/>
+          <p:cNvSpPr txBox="1">
+            <a:spLocks noGrp="1"/>
+          </p:cNvSpPr>
+          <p:nvPr>
+            <p:ph type="sldNum" idx="12"/>
+          </p:nvPr>
+        </p:nvSpPr>
+        <p:spPr>
+          <a:xfrm>
+            <a:off x="4143587" y="9119476"/>
+            <a:ext cx="3169800" cy="481800"/>
+          </a:xfrm>
+          <a:prstGeom prst="rect">
+            <a:avLst/>
+          </a:prstGeom>
+        </p:spPr>
+        <p:txBody>
+          <a:bodyPr spcFirstLastPara="1" wrap="square" lIns="96625" tIns="48300" rIns="96625" bIns="48300" anchor="b" anchorCtr="0">
+            <a:noAutofit/>
+          </a:bodyPr>
+          <a:lstStyle/>
+          <a:p>
+            <a:pPr marL="0" lvl="0" indent="0" algn="r" rtl="0">
+              <a:spcBef>
+                <a:spcPts val="0"/>
+              </a:spcBef>
+              <a:spcAft>
+                <a:spcPts val="0"/>
+              </a:spcAft>
+              <a:buClr>
+                <a:srgbClr val="000000"/>
+              </a:buClr>
+              <a:buFont typeface="Arial"/>
+              <a:buNone/>
+            </a:pPr>
+            <a:fld id="{00000000-1234-1234-1234-123412341234}" type="slidenum">
+              <a:rPr lang="en-US"/>
+              <a:t>5</a:t>
+            </a:fld>
+            <a:endParaRPr/>
+          </a:p>
+        </p:txBody>
+      </p:sp>
+    </p:spTree>
+    <p:extLst>
+      <p:ext uri="{BB962C8B-B14F-4D97-AF65-F5344CB8AC3E}">
         <p14:creationId xmlns:p14="http://schemas.microsoft.com/office/powerpoint/2010/main" val="1240973182"/>
       </p:ext>
     </p:extLst>
@@ -2063,7 +2219,7 @@
 </p:notes>
 </file>
 
-<file path=ppt/notesSlides/notesSlide5.xml><?xml version="1.0" encoding="utf-8"?>
+<file path=ppt/notesSlides/notesSlide6.xml><?xml version="1.0" encoding="utf-8"?>
 <p:notes xmlns:a="http://schemas.openxmlformats.org/drawingml/2006/main" xmlns:r="http://schemas.openxmlformats.org/officeDocument/2006/relationships" xmlns:p="http://schemas.openxmlformats.org/presentationml/2006/main" showMasterSp="0" showMasterPhAnim="0">
   <p:cSld>
     <p:spTree>
@@ -2199,7 +2355,7 @@
             </a:pPr>
             <a:fld id="{00000000-1234-1234-1234-123412341234}" type="slidenum">
               <a:rPr lang="en-US"/>
-              <a:t>5</a:t>
+              <a:t>6</a:t>
             </a:fld>
             <a:endParaRPr/>
           </a:p>
@@ -2218,7 +2374,7 @@
 </p:notes>
 </file>
 
-<file path=ppt/notesSlides/notesSlide6.xml><?xml version="1.0" encoding="utf-8"?>
+<file path=ppt/notesSlides/notesSlide7.xml><?xml version="1.0" encoding="utf-8"?>
 <p:notes xmlns:a="http://schemas.openxmlformats.org/drawingml/2006/main" xmlns:r="http://schemas.openxmlformats.org/officeDocument/2006/relationships" xmlns:p="http://schemas.openxmlformats.org/presentationml/2006/main" showMasterSp="0" showMasterPhAnim="0">
   <p:cSld>
     <p:spTree>
@@ -2354,7 +2510,7 @@
             </a:pPr>
             <a:fld id="{00000000-1234-1234-1234-123412341234}" type="slidenum">
               <a:rPr lang="en-US"/>
-              <a:t>6</a:t>
+              <a:t>7</a:t>
             </a:fld>
             <a:endParaRPr/>
           </a:p>
@@ -2368,7 +2524,7 @@
 </p:notes>
 </file>
 
-<file path=ppt/notesSlides/notesSlide7.xml><?xml version="1.0" encoding="utf-8"?>
+<file path=ppt/notesSlides/notesSlide8.xml><?xml version="1.0" encoding="utf-8"?>
 <p:notes xmlns:a="http://schemas.openxmlformats.org/drawingml/2006/main" xmlns:r="http://schemas.openxmlformats.org/officeDocument/2006/relationships" xmlns:p="http://schemas.openxmlformats.org/presentationml/2006/main" showMasterSp="0" showMasterPhAnim="0">
   <p:cSld>
     <p:spTree>
@@ -2504,7 +2660,7 @@
             </a:pPr>
             <a:fld id="{00000000-1234-1234-1234-123412341234}" type="slidenum">
               <a:rPr lang="en-US"/>
-              <a:t>7</a:t>
+              <a:t>8</a:t>
             </a:fld>
             <a:endParaRPr/>
           </a:p>
@@ -12904,6 +13060,4666 @@
               </a:rPr>
               <a:pPr algn="r"/>
               <a:t>1</a:t>
+            </a:fld>
+            <a:endParaRPr sz="640">
+              <a:solidFill>
+                <a:srgbClr val="888888"/>
+              </a:solidFill>
+              <a:latin typeface="Calibri"/>
+              <a:ea typeface="Calibri"/>
+              <a:cs typeface="Calibri"/>
+              <a:sym typeface="Calibri"/>
+            </a:endParaRPr>
+          </a:p>
+        </p:txBody>
+      </p:sp>
+      <p:grpSp>
+        <p:nvGrpSpPr>
+          <p:cNvPr id="187" name="Group 186">
+            <a:extLst>
+              <a:ext uri="{FF2B5EF4-FFF2-40B4-BE49-F238E27FC236}">
+                <a16:creationId xmlns:a16="http://schemas.microsoft.com/office/drawing/2014/main" id="{4139FF23-A41E-4341-8C65-BC65DCDCF9C2}"/>
+              </a:ext>
+            </a:extLst>
+          </p:cNvPr>
+          <p:cNvGrpSpPr/>
+          <p:nvPr/>
+        </p:nvGrpSpPr>
+        <p:grpSpPr>
+          <a:xfrm>
+            <a:off x="539740" y="1134422"/>
+            <a:ext cx="5900024" cy="3209431"/>
+            <a:chOff x="622867" y="1717214"/>
+            <a:chExt cx="5900024" cy="3209431"/>
+          </a:xfrm>
+        </p:grpSpPr>
+        <p:sp>
+          <p:nvSpPr>
+            <p:cNvPr id="91" name="Google Shape;91;g5b0f7406fe_0_0"/>
+            <p:cNvSpPr/>
+            <p:nvPr/>
+          </p:nvSpPr>
+          <p:spPr>
+            <a:xfrm>
+              <a:off x="857970" y="1717214"/>
+              <a:ext cx="5664921" cy="3209431"/>
+            </a:xfrm>
+            <a:prstGeom prst="roundRect">
+              <a:avLst>
+                <a:gd name="adj" fmla="val 3008"/>
+              </a:avLst>
+            </a:prstGeom>
+            <a:solidFill>
+              <a:srgbClr val="D8D8D8"/>
+            </a:solidFill>
+            <a:ln w="25400" cap="flat" cmpd="sng">
+              <a:solidFill>
+                <a:srgbClr val="000000"/>
+              </a:solidFill>
+              <a:prstDash val="solid"/>
+              <a:round/>
+              <a:headEnd type="none" w="sm" len="sm"/>
+              <a:tailEnd type="none" w="sm" len="sm"/>
+            </a:ln>
+            <a:effectLst>
+              <a:outerShdw blurRad="57150" dist="19050" dir="5400000" algn="bl" rotWithShape="0">
+                <a:srgbClr val="000000">
+                  <a:alpha val="49800"/>
+                </a:srgbClr>
+              </a:outerShdw>
+            </a:effectLst>
+          </p:spPr>
+          <p:txBody>
+            <a:bodyPr spcFirstLastPara="1" wrap="square" lIns="48760" tIns="24373" rIns="48760" bIns="24373" anchor="ctr" anchorCtr="0">
+              <a:noAutofit/>
+            </a:bodyPr>
+            <a:lstStyle/>
+            <a:p>
+              <a:pPr algn="ctr">
+                <a:buClr>
+                  <a:srgbClr val="FFFFFF"/>
+                </a:buClr>
+                <a:buSzPts val="1600"/>
+              </a:pPr>
+              <a:endParaRPr sz="853">
+                <a:latin typeface="Calibri"/>
+                <a:ea typeface="Calibri"/>
+                <a:cs typeface="Calibri"/>
+                <a:sym typeface="Calibri"/>
+              </a:endParaRPr>
+            </a:p>
+          </p:txBody>
+        </p:sp>
+        <p:sp>
+          <p:nvSpPr>
+            <p:cNvPr id="92" name="Google Shape;92;g5b0f7406fe_0_0"/>
+            <p:cNvSpPr/>
+            <p:nvPr/>
+          </p:nvSpPr>
+          <p:spPr>
+            <a:xfrm>
+              <a:off x="1676338" y="1792427"/>
+              <a:ext cx="4007680" cy="3027544"/>
+            </a:xfrm>
+            <a:prstGeom prst="rect">
+              <a:avLst/>
+            </a:prstGeom>
+            <a:solidFill>
+              <a:srgbClr val="F2F2F2"/>
+            </a:solidFill>
+            <a:ln w="25400" cap="flat" cmpd="sng">
+              <a:solidFill>
+                <a:srgbClr val="000000"/>
+              </a:solidFill>
+              <a:prstDash val="solid"/>
+              <a:round/>
+              <a:headEnd type="none" w="sm" len="sm"/>
+              <a:tailEnd type="none" w="sm" len="sm"/>
+            </a:ln>
+          </p:spPr>
+          <p:txBody>
+            <a:bodyPr spcFirstLastPara="1" wrap="square" lIns="48760" tIns="24373" rIns="48760" bIns="24373" anchor="t" anchorCtr="0">
+              <a:noAutofit/>
+            </a:bodyPr>
+            <a:lstStyle/>
+            <a:p>
+              <a:pPr>
+                <a:buClr>
+                  <a:srgbClr val="FFFFFF"/>
+                </a:buClr>
+                <a:buSzPts val="1800"/>
+              </a:pPr>
+              <a:endParaRPr sz="960">
+                <a:latin typeface="Calibri"/>
+                <a:ea typeface="Calibri"/>
+                <a:cs typeface="Calibri"/>
+                <a:sym typeface="Calibri"/>
+              </a:endParaRPr>
+            </a:p>
+          </p:txBody>
+        </p:sp>
+        <p:cxnSp>
+          <p:nvCxnSpPr>
+            <p:cNvPr id="93" name="Google Shape;93;g5b0f7406fe_0_0"/>
+            <p:cNvCxnSpPr>
+              <a:stCxn id="94" idx="3"/>
+            </p:cNvCxnSpPr>
+            <p:nvPr/>
+          </p:nvCxnSpPr>
+          <p:spPr>
+            <a:xfrm>
+              <a:off x="5474344" y="2525341"/>
+              <a:ext cx="386321" cy="0"/>
+            </a:xfrm>
+            <a:prstGeom prst="straightConnector1">
+              <a:avLst/>
+            </a:prstGeom>
+            <a:noFill/>
+            <a:ln w="28575" cap="flat" cmpd="sng">
+              <a:solidFill>
+                <a:srgbClr val="000000"/>
+              </a:solidFill>
+              <a:prstDash val="solid"/>
+              <a:round/>
+              <a:headEnd type="none" w="sm" len="sm"/>
+              <a:tailEnd type="none" w="sm" len="sm"/>
+            </a:ln>
+          </p:spPr>
+        </p:cxnSp>
+        <p:sp>
+          <p:nvSpPr>
+            <p:cNvPr id="95" name="Google Shape;95;g5b0f7406fe_0_0"/>
+            <p:cNvSpPr txBox="1"/>
+            <p:nvPr/>
+          </p:nvSpPr>
+          <p:spPr>
+            <a:xfrm>
+              <a:off x="5797444" y="1906481"/>
+              <a:ext cx="535717" cy="316798"/>
+            </a:xfrm>
+            <a:prstGeom prst="rect">
+              <a:avLst/>
+            </a:prstGeom>
+            <a:noFill/>
+            <a:ln>
+              <a:noFill/>
+            </a:ln>
+          </p:spPr>
+          <p:txBody>
+            <a:bodyPr spcFirstLastPara="1" wrap="square" lIns="48760" tIns="24373" rIns="48760" bIns="24373" anchor="t" anchorCtr="0">
+              <a:noAutofit/>
+            </a:bodyPr>
+            <a:lstStyle/>
+            <a:p>
+              <a:pPr algn="ctr">
+                <a:buSzPts val="1600"/>
+              </a:pPr>
+              <a:r>
+                <a:rPr lang="en-US" sz="853" b="1">
+                  <a:latin typeface="Calibri"/>
+                  <a:ea typeface="Calibri"/>
+                  <a:cs typeface="Calibri"/>
+                  <a:sym typeface="Calibri"/>
+                </a:rPr>
+                <a:t>VCU118 board</a:t>
+              </a:r>
+              <a:endParaRPr sz="747"/>
+            </a:p>
+          </p:txBody>
+        </p:sp>
+        <p:sp>
+          <p:nvSpPr>
+            <p:cNvPr id="96" name="Google Shape;96;g5b0f7406fe_0_0"/>
+            <p:cNvSpPr/>
+            <p:nvPr/>
+          </p:nvSpPr>
+          <p:spPr>
+            <a:xfrm>
+              <a:off x="5860620" y="2376694"/>
+              <a:ext cx="475607" cy="546473"/>
+            </a:xfrm>
+            <a:prstGeom prst="roundRect">
+              <a:avLst>
+                <a:gd name="adj" fmla="val 5667"/>
+              </a:avLst>
+            </a:prstGeom>
+            <a:solidFill>
+              <a:srgbClr val="E5DFEC"/>
+            </a:solidFill>
+            <a:ln w="25400" cap="flat" cmpd="sng">
+              <a:solidFill>
+                <a:srgbClr val="000000"/>
+              </a:solidFill>
+              <a:prstDash val="solid"/>
+              <a:round/>
+              <a:headEnd type="none" w="sm" len="sm"/>
+              <a:tailEnd type="none" w="sm" len="sm"/>
+            </a:ln>
+          </p:spPr>
+          <p:txBody>
+            <a:bodyPr spcFirstLastPara="1" wrap="square" lIns="48760" tIns="24373" rIns="48760" bIns="24373" anchor="ctr" anchorCtr="0">
+              <a:noAutofit/>
+            </a:bodyPr>
+            <a:lstStyle/>
+            <a:p>
+              <a:pPr algn="ctr">
+                <a:buSzPts val="1400"/>
+              </a:pPr>
+              <a:r>
+                <a:rPr lang="en-US" sz="747">
+                  <a:solidFill>
+                    <a:srgbClr val="222222"/>
+                  </a:solidFill>
+                </a:rPr>
+                <a:t>4 GB</a:t>
+              </a:r>
+              <a:endParaRPr sz="747"/>
+            </a:p>
+            <a:p>
+              <a:pPr algn="ctr">
+                <a:buSzPts val="1400"/>
+              </a:pPr>
+              <a:r>
+                <a:rPr lang="en-US" sz="747">
+                  <a:solidFill>
+                    <a:srgbClr val="222222"/>
+                  </a:solidFill>
+                </a:rPr>
+                <a:t>DRAM</a:t>
+              </a:r>
+              <a:endParaRPr sz="747">
+                <a:solidFill>
+                  <a:srgbClr val="222222"/>
+                </a:solidFill>
+              </a:endParaRPr>
+            </a:p>
+          </p:txBody>
+        </p:sp>
+        <p:sp>
+          <p:nvSpPr>
+            <p:cNvPr id="97" name="Google Shape;97;g5b0f7406fe_0_0"/>
+            <p:cNvSpPr/>
+            <p:nvPr/>
+          </p:nvSpPr>
+          <p:spPr>
+            <a:xfrm>
+              <a:off x="622877" y="2687049"/>
+              <a:ext cx="857182" cy="198141"/>
+            </a:xfrm>
+            <a:prstGeom prst="roundRect">
+              <a:avLst>
+                <a:gd name="adj" fmla="val 16667"/>
+              </a:avLst>
+            </a:prstGeom>
+            <a:solidFill>
+              <a:srgbClr val="E5DFEC"/>
+            </a:solidFill>
+            <a:ln w="25400" cap="flat" cmpd="sng">
+              <a:solidFill>
+                <a:srgbClr val="000000"/>
+              </a:solidFill>
+              <a:prstDash val="solid"/>
+              <a:round/>
+              <a:headEnd type="none" w="sm" len="sm"/>
+              <a:tailEnd type="none" w="sm" len="sm"/>
+            </a:ln>
+          </p:spPr>
+          <p:txBody>
+            <a:bodyPr spcFirstLastPara="1" wrap="square" lIns="48760" tIns="24373" rIns="48760" bIns="24373" anchor="ctr" anchorCtr="0">
+              <a:noAutofit/>
+            </a:bodyPr>
+            <a:lstStyle/>
+            <a:p>
+              <a:pPr algn="ctr">
+                <a:buSzPts val="1400"/>
+              </a:pPr>
+              <a:r>
+                <a:rPr lang="en-US" sz="747">
+                  <a:solidFill>
+                    <a:srgbClr val="222222"/>
+                  </a:solidFill>
+                </a:rPr>
+                <a:t>USB/JTAG</a:t>
+              </a:r>
+              <a:endParaRPr sz="747">
+                <a:solidFill>
+                  <a:srgbClr val="222222"/>
+                </a:solidFill>
+              </a:endParaRPr>
+            </a:p>
+          </p:txBody>
+        </p:sp>
+        <p:sp>
+          <p:nvSpPr>
+            <p:cNvPr id="98" name="Google Shape;98;g5b0f7406fe_0_0"/>
+            <p:cNvSpPr/>
+            <p:nvPr/>
+          </p:nvSpPr>
+          <p:spPr>
+            <a:xfrm>
+              <a:off x="622877" y="4445313"/>
+              <a:ext cx="857182" cy="198141"/>
+            </a:xfrm>
+            <a:prstGeom prst="roundRect">
+              <a:avLst>
+                <a:gd name="adj" fmla="val 16667"/>
+              </a:avLst>
+            </a:prstGeom>
+            <a:solidFill>
+              <a:srgbClr val="E5DFEC"/>
+            </a:solidFill>
+            <a:ln w="25400" cap="flat" cmpd="sng">
+              <a:solidFill>
+                <a:srgbClr val="000000"/>
+              </a:solidFill>
+              <a:prstDash val="solid"/>
+              <a:round/>
+              <a:headEnd type="none" w="sm" len="sm"/>
+              <a:tailEnd type="none" w="sm" len="sm"/>
+            </a:ln>
+          </p:spPr>
+          <p:txBody>
+            <a:bodyPr spcFirstLastPara="1" wrap="square" lIns="48760" tIns="24373" rIns="48760" bIns="24373" anchor="ctr" anchorCtr="0">
+              <a:noAutofit/>
+            </a:bodyPr>
+            <a:lstStyle/>
+            <a:p>
+              <a:pPr algn="ctr">
+                <a:buSzPts val="1400"/>
+              </a:pPr>
+              <a:r>
+                <a:rPr lang="en-US" sz="747">
+                  <a:solidFill>
+                    <a:srgbClr val="222222"/>
+                  </a:solidFill>
+                </a:rPr>
+                <a:t>USB/UART</a:t>
+              </a:r>
+              <a:endParaRPr sz="747">
+                <a:solidFill>
+                  <a:srgbClr val="222222"/>
+                </a:solidFill>
+              </a:endParaRPr>
+            </a:p>
+          </p:txBody>
+        </p:sp>
+        <p:sp>
+          <p:nvSpPr>
+            <p:cNvPr id="99" name="Google Shape;99;g5b0f7406fe_0_0"/>
+            <p:cNvSpPr/>
+            <p:nvPr/>
+          </p:nvSpPr>
+          <p:spPr>
+            <a:xfrm>
+              <a:off x="3529637" y="2292073"/>
+              <a:ext cx="749968" cy="1319040"/>
+            </a:xfrm>
+            <a:prstGeom prst="rect">
+              <a:avLst/>
+            </a:prstGeom>
+            <a:solidFill>
+              <a:srgbClr val="E5DFEC"/>
+            </a:solidFill>
+            <a:ln w="25400" cap="flat" cmpd="sng">
+              <a:solidFill>
+                <a:srgbClr val="000000"/>
+              </a:solidFill>
+              <a:prstDash val="solid"/>
+              <a:round/>
+              <a:headEnd type="none" w="sm" len="sm"/>
+              <a:tailEnd type="none" w="sm" len="sm"/>
+            </a:ln>
+          </p:spPr>
+          <p:txBody>
+            <a:bodyPr spcFirstLastPara="1" wrap="square" lIns="48760" tIns="24373" rIns="48760" bIns="24373" anchor="t" anchorCtr="0">
+              <a:noAutofit/>
+            </a:bodyPr>
+            <a:lstStyle/>
+            <a:p>
+              <a:pPr algn="ctr">
+                <a:buClr>
+                  <a:srgbClr val="222222"/>
+                </a:buClr>
+                <a:buSzPts val="1400"/>
+              </a:pPr>
+              <a:endParaRPr lang="en-US" sz="747" dirty="0">
+                <a:solidFill>
+                  <a:srgbClr val="222222"/>
+                </a:solidFill>
+              </a:endParaRPr>
+            </a:p>
+            <a:p>
+              <a:pPr algn="ctr">
+                <a:buClr>
+                  <a:srgbClr val="222222"/>
+                </a:buClr>
+                <a:buSzPts val="1400"/>
+              </a:pPr>
+              <a:endParaRPr lang="en-US" sz="747" dirty="0">
+                <a:solidFill>
+                  <a:srgbClr val="222222"/>
+                </a:solidFill>
+              </a:endParaRPr>
+            </a:p>
+            <a:p>
+              <a:pPr algn="ctr">
+                <a:buClr>
+                  <a:srgbClr val="222222"/>
+                </a:buClr>
+                <a:buSzPts val="1400"/>
+              </a:pPr>
+              <a:endParaRPr lang="en-US" sz="747" dirty="0">
+                <a:solidFill>
+                  <a:srgbClr val="222222"/>
+                </a:solidFill>
+              </a:endParaRPr>
+            </a:p>
+            <a:p>
+              <a:pPr algn="ctr">
+                <a:buClr>
+                  <a:srgbClr val="222222"/>
+                </a:buClr>
+                <a:buSzPts val="1400"/>
+              </a:pPr>
+              <a:r>
+                <a:rPr lang="en-US" sz="747" dirty="0">
+                  <a:solidFill>
+                    <a:srgbClr val="222222"/>
+                  </a:solidFill>
+                </a:rPr>
+                <a:t>AXI4 </a:t>
+              </a:r>
+              <a:endParaRPr lang="en-US" sz="747" dirty="0"/>
+            </a:p>
+            <a:p>
+              <a:pPr algn="ctr">
+                <a:buClr>
+                  <a:srgbClr val="222222"/>
+                </a:buClr>
+                <a:buSzPts val="1400"/>
+              </a:pPr>
+              <a:r>
+                <a:rPr lang="en-US" sz="747" dirty="0">
+                  <a:solidFill>
+                    <a:srgbClr val="222222"/>
+                  </a:solidFill>
+                </a:rPr>
+                <a:t>fabric</a:t>
+              </a:r>
+              <a:endParaRPr lang="en-US" sz="747" dirty="0">
+                <a:latin typeface="Calibri"/>
+                <a:ea typeface="Calibri"/>
+                <a:cs typeface="Calibri"/>
+                <a:sym typeface="Calibri"/>
+              </a:endParaRPr>
+            </a:p>
+          </p:txBody>
+        </p:sp>
+        <p:sp>
+          <p:nvSpPr>
+            <p:cNvPr id="100" name="Google Shape;100;g5b0f7406fe_0_0"/>
+            <p:cNvSpPr/>
+            <p:nvPr/>
+          </p:nvSpPr>
+          <p:spPr>
+            <a:xfrm>
+              <a:off x="4121561" y="2863871"/>
+              <a:ext cx="160645" cy="148565"/>
+            </a:xfrm>
+            <a:prstGeom prst="rect">
+              <a:avLst/>
+            </a:prstGeom>
+            <a:noFill/>
+            <a:ln>
+              <a:noFill/>
+            </a:ln>
+          </p:spPr>
+          <p:txBody>
+            <a:bodyPr spcFirstLastPara="1" wrap="square" lIns="48760" tIns="24373" rIns="48760" bIns="24373" anchor="ctr" anchorCtr="0">
+              <a:noAutofit/>
+            </a:bodyPr>
+            <a:lstStyle/>
+            <a:p>
+              <a:pPr algn="ctr">
+                <a:buClr>
+                  <a:srgbClr val="FFFFFF"/>
+                </a:buClr>
+                <a:buSzPts val="1600"/>
+              </a:pPr>
+              <a:endParaRPr sz="853">
+                <a:solidFill>
+                  <a:srgbClr val="FFFFFF"/>
+                </a:solidFill>
+                <a:latin typeface="Calibri"/>
+                <a:ea typeface="Calibri"/>
+                <a:cs typeface="Calibri"/>
+                <a:sym typeface="Calibri"/>
+              </a:endParaRPr>
+            </a:p>
+          </p:txBody>
+        </p:sp>
+        <p:sp>
+          <p:nvSpPr>
+            <p:cNvPr id="94" name="Google Shape;94;g5b0f7406fe_0_0"/>
+            <p:cNvSpPr/>
+            <p:nvPr/>
+          </p:nvSpPr>
+          <p:spPr>
+            <a:xfrm>
+              <a:off x="4724376" y="2376695"/>
+              <a:ext cx="749968" cy="297293"/>
+            </a:xfrm>
+            <a:prstGeom prst="rect">
+              <a:avLst/>
+            </a:prstGeom>
+            <a:solidFill>
+              <a:srgbClr val="E5DFEC"/>
+            </a:solidFill>
+            <a:ln w="25400" cap="flat" cmpd="sng">
+              <a:solidFill>
+                <a:srgbClr val="000000"/>
+              </a:solidFill>
+              <a:prstDash val="solid"/>
+              <a:round/>
+              <a:headEnd type="none" w="sm" len="sm"/>
+              <a:tailEnd type="none" w="sm" len="sm"/>
+            </a:ln>
+          </p:spPr>
+          <p:txBody>
+            <a:bodyPr spcFirstLastPara="1" wrap="square" lIns="48760" tIns="24373" rIns="48760" bIns="24373" anchor="ctr" anchorCtr="0">
+              <a:noAutofit/>
+            </a:bodyPr>
+            <a:lstStyle/>
+            <a:p>
+              <a:pPr algn="ctr">
+                <a:buClr>
+                  <a:srgbClr val="222222"/>
+                </a:buClr>
+                <a:buSzPts val="1400"/>
+              </a:pPr>
+              <a:r>
+                <a:rPr lang="en-US" sz="747">
+                  <a:solidFill>
+                    <a:srgbClr val="222222"/>
+                  </a:solidFill>
+                </a:rPr>
+                <a:t>DDR4 </a:t>
+              </a:r>
+              <a:endParaRPr sz="747"/>
+            </a:p>
+            <a:p>
+              <a:pPr algn="ctr">
+                <a:buClr>
+                  <a:srgbClr val="222222"/>
+                </a:buClr>
+                <a:buSzPts val="1400"/>
+              </a:pPr>
+              <a:r>
+                <a:rPr lang="en-US" sz="747">
+                  <a:solidFill>
+                    <a:srgbClr val="222222"/>
+                  </a:solidFill>
+                </a:rPr>
+                <a:t>Ctrl</a:t>
+              </a:r>
+              <a:endParaRPr sz="747">
+                <a:latin typeface="Calibri"/>
+                <a:ea typeface="Calibri"/>
+                <a:cs typeface="Calibri"/>
+                <a:sym typeface="Calibri"/>
+              </a:endParaRPr>
+            </a:p>
+          </p:txBody>
+        </p:sp>
+        <p:sp>
+          <p:nvSpPr>
+            <p:cNvPr id="101" name="Google Shape;101;g5b0f7406fe_0_0"/>
+            <p:cNvSpPr/>
+            <p:nvPr/>
+          </p:nvSpPr>
+          <p:spPr>
+            <a:xfrm>
+              <a:off x="2358314" y="2395574"/>
+              <a:ext cx="749968" cy="493809"/>
+            </a:xfrm>
+            <a:prstGeom prst="rect">
+              <a:avLst/>
+            </a:prstGeom>
+            <a:solidFill>
+              <a:srgbClr val="C2D59B"/>
+            </a:solidFill>
+            <a:ln w="25400" cap="flat" cmpd="sng">
+              <a:solidFill>
+                <a:srgbClr val="000000"/>
+              </a:solidFill>
+              <a:prstDash val="solid"/>
+              <a:round/>
+              <a:headEnd type="none" w="sm" len="sm"/>
+              <a:tailEnd type="none" w="sm" len="sm"/>
+            </a:ln>
+          </p:spPr>
+          <p:txBody>
+            <a:bodyPr spcFirstLastPara="1" wrap="square" lIns="48760" tIns="48760" rIns="48760" bIns="24373" anchor="ctr" anchorCtr="0">
+              <a:noAutofit/>
+            </a:bodyPr>
+            <a:lstStyle/>
+            <a:p>
+              <a:pPr>
+                <a:buClr>
+                  <a:srgbClr val="222222"/>
+                </a:buClr>
+                <a:buSzPts val="1400"/>
+              </a:pPr>
+              <a:r>
+                <a:rPr lang="en-US" sz="747" dirty="0">
+                  <a:solidFill>
+                    <a:srgbClr val="222222"/>
+                  </a:solidFill>
+                </a:rPr>
+                <a:t>  P1/P2/P3</a:t>
+              </a:r>
+              <a:endParaRPr sz="747" dirty="0">
+                <a:solidFill>
+                  <a:srgbClr val="222222"/>
+                </a:solidFill>
+              </a:endParaRPr>
+            </a:p>
+            <a:p>
+              <a:pPr>
+                <a:buClr>
+                  <a:srgbClr val="222222"/>
+                </a:buClr>
+                <a:buSzPts val="1400"/>
+              </a:pPr>
+              <a:r>
+                <a:rPr lang="en-US" sz="747" dirty="0">
+                  <a:solidFill>
+                    <a:srgbClr val="222222"/>
+                  </a:solidFill>
+                </a:rPr>
+                <a:t>  processor</a:t>
+              </a:r>
+              <a:endParaRPr sz="747" dirty="0"/>
+            </a:p>
+          </p:txBody>
+        </p:sp>
+        <p:grpSp>
+          <p:nvGrpSpPr>
+            <p:cNvPr id="102" name="Google Shape;102;g5b0f7406fe_0_0"/>
+            <p:cNvGrpSpPr/>
+            <p:nvPr/>
+          </p:nvGrpSpPr>
+          <p:grpSpPr>
+            <a:xfrm>
+              <a:off x="2896461" y="2390734"/>
+              <a:ext cx="850474" cy="202981"/>
+              <a:chOff x="5476592" y="1981321"/>
+              <a:chExt cx="1451651" cy="374633"/>
+            </a:xfrm>
+          </p:grpSpPr>
+          <p:sp>
+            <p:nvSpPr>
+              <p:cNvPr id="103" name="Google Shape;103;g5b0f7406fe_0_0"/>
+              <p:cNvSpPr/>
+              <p:nvPr/>
+            </p:nvSpPr>
+            <p:spPr>
+              <a:xfrm>
+                <a:off x="5476592" y="1981321"/>
+                <a:ext cx="365699" cy="365700"/>
+              </a:xfrm>
+              <a:prstGeom prst="rect">
+                <a:avLst/>
+              </a:prstGeom>
+              <a:noFill/>
+              <a:ln>
+                <a:noFill/>
+              </a:ln>
+            </p:spPr>
+            <p:txBody>
+              <a:bodyPr spcFirstLastPara="1" wrap="square" lIns="48760" tIns="24373" rIns="48760" bIns="24373" anchor="ctr" anchorCtr="0">
+                <a:noAutofit/>
+              </a:bodyPr>
+              <a:lstStyle/>
+              <a:p>
+                <a:pPr algn="ctr">
+                  <a:buSzPts val="1400"/>
+                </a:pPr>
+                <a:r>
+                  <a:rPr lang="en-US" sz="747" dirty="0">
+                    <a:latin typeface="Calibri"/>
+                    <a:ea typeface="Calibri"/>
+                    <a:cs typeface="Calibri"/>
+                    <a:sym typeface="Calibri"/>
+                  </a:rPr>
+                  <a:t>M</a:t>
+                </a:r>
+                <a:endParaRPr sz="853" dirty="0">
+                  <a:latin typeface="Calibri"/>
+                  <a:ea typeface="Calibri"/>
+                  <a:cs typeface="Calibri"/>
+                  <a:sym typeface="Calibri"/>
+                </a:endParaRPr>
+              </a:p>
+            </p:txBody>
+          </p:sp>
+          <p:sp>
+            <p:nvSpPr>
+              <p:cNvPr id="104" name="Google Shape;104;g5b0f7406fe_0_0"/>
+              <p:cNvSpPr/>
+              <p:nvPr/>
+            </p:nvSpPr>
+            <p:spPr>
+              <a:xfrm>
+                <a:off x="6562543" y="1990254"/>
+                <a:ext cx="365700" cy="365700"/>
+              </a:xfrm>
+              <a:prstGeom prst="rect">
+                <a:avLst/>
+              </a:prstGeom>
+              <a:noFill/>
+              <a:ln>
+                <a:noFill/>
+              </a:ln>
+            </p:spPr>
+            <p:txBody>
+              <a:bodyPr spcFirstLastPara="1" wrap="square" lIns="48760" tIns="24373" rIns="48760" bIns="24373" anchor="ctr" anchorCtr="0">
+                <a:noAutofit/>
+              </a:bodyPr>
+              <a:lstStyle/>
+              <a:p>
+                <a:pPr algn="ctr">
+                  <a:buSzPts val="1400"/>
+                </a:pPr>
+                <a:r>
+                  <a:rPr lang="en-US" sz="850" dirty="0">
+                    <a:latin typeface="Calibri"/>
+                    <a:ea typeface="Calibri"/>
+                    <a:cs typeface="Calibri"/>
+                    <a:sym typeface="Calibri"/>
+                  </a:rPr>
+                  <a:t>S</a:t>
+                </a:r>
+                <a:endParaRPr sz="850" dirty="0">
+                  <a:latin typeface="Calibri"/>
+                  <a:ea typeface="Calibri"/>
+                  <a:cs typeface="Calibri"/>
+                  <a:sym typeface="Calibri"/>
+                </a:endParaRPr>
+              </a:p>
+            </p:txBody>
+          </p:sp>
+          <p:cxnSp>
+            <p:nvCxnSpPr>
+              <p:cNvPr id="105" name="Google Shape;105;g5b0f7406fe_0_0"/>
+              <p:cNvCxnSpPr>
+                <a:stCxn id="104" idx="1"/>
+                <a:endCxn id="103" idx="3"/>
+              </p:cNvCxnSpPr>
+              <p:nvPr/>
+            </p:nvCxnSpPr>
+            <p:spPr>
+              <a:xfrm flipH="1" flipV="1">
+                <a:off x="5842291" y="2164172"/>
+                <a:ext cx="720253" cy="8933"/>
+              </a:xfrm>
+              <a:prstGeom prst="straightConnector1">
+                <a:avLst/>
+              </a:prstGeom>
+              <a:noFill/>
+              <a:ln w="28575" cap="flat" cmpd="sng">
+                <a:solidFill>
+                  <a:srgbClr val="000000"/>
+                </a:solidFill>
+                <a:prstDash val="solid"/>
+                <a:round/>
+                <a:headEnd type="none" w="sm" len="sm"/>
+                <a:tailEnd type="none" w="sm" len="sm"/>
+              </a:ln>
+            </p:spPr>
+          </p:cxnSp>
+        </p:grpSp>
+        <p:grpSp>
+          <p:nvGrpSpPr>
+            <p:cNvPr id="106" name="Google Shape;106;g5b0f7406fe_0_0"/>
+            <p:cNvGrpSpPr/>
+            <p:nvPr/>
+          </p:nvGrpSpPr>
+          <p:grpSpPr>
+            <a:xfrm>
+              <a:off x="2889823" y="2692834"/>
+              <a:ext cx="857111" cy="198141"/>
+              <a:chOff x="5465263" y="2538894"/>
+              <a:chExt cx="1462980" cy="365700"/>
+            </a:xfrm>
+          </p:grpSpPr>
+          <p:sp>
+            <p:nvSpPr>
+              <p:cNvPr id="107" name="Google Shape;107;g5b0f7406fe_0_0"/>
+              <p:cNvSpPr/>
+              <p:nvPr/>
+            </p:nvSpPr>
+            <p:spPr>
+              <a:xfrm>
+                <a:off x="5465263" y="2538894"/>
+                <a:ext cx="365700" cy="365700"/>
+              </a:xfrm>
+              <a:prstGeom prst="rect">
+                <a:avLst/>
+              </a:prstGeom>
+              <a:noFill/>
+              <a:ln>
+                <a:noFill/>
+              </a:ln>
+            </p:spPr>
+            <p:txBody>
+              <a:bodyPr spcFirstLastPara="1" wrap="square" lIns="48760" tIns="24373" rIns="48760" bIns="24373" anchor="ctr" anchorCtr="0">
+                <a:noAutofit/>
+              </a:bodyPr>
+              <a:lstStyle/>
+              <a:p>
+                <a:pPr algn="ctr">
+                  <a:buSzPts val="1400"/>
+                </a:pPr>
+                <a:r>
+                  <a:rPr lang="en-US" sz="747" dirty="0">
+                    <a:latin typeface="Calibri"/>
+                    <a:ea typeface="Calibri"/>
+                    <a:cs typeface="Calibri"/>
+                    <a:sym typeface="Calibri"/>
+                  </a:rPr>
+                  <a:t>M</a:t>
+                </a:r>
+                <a:endParaRPr sz="853" dirty="0">
+                  <a:latin typeface="Calibri"/>
+                  <a:ea typeface="Calibri"/>
+                  <a:cs typeface="Calibri"/>
+                  <a:sym typeface="Calibri"/>
+                </a:endParaRPr>
+              </a:p>
+            </p:txBody>
+          </p:sp>
+          <p:sp>
+            <p:nvSpPr>
+              <p:cNvPr id="108" name="Google Shape;108;g5b0f7406fe_0_0"/>
+              <p:cNvSpPr/>
+              <p:nvPr/>
+            </p:nvSpPr>
+            <p:spPr>
+              <a:xfrm>
+                <a:off x="6562543" y="2538894"/>
+                <a:ext cx="365700" cy="365700"/>
+              </a:xfrm>
+              <a:prstGeom prst="rect">
+                <a:avLst/>
+              </a:prstGeom>
+              <a:noFill/>
+              <a:ln>
+                <a:noFill/>
+              </a:ln>
+            </p:spPr>
+            <p:txBody>
+              <a:bodyPr spcFirstLastPara="1" wrap="square" lIns="48760" tIns="24373" rIns="48760" bIns="24373" anchor="ctr" anchorCtr="0">
+                <a:noAutofit/>
+              </a:bodyPr>
+              <a:lstStyle/>
+              <a:p>
+                <a:pPr algn="ctr">
+                  <a:buSzPts val="1400"/>
+                </a:pPr>
+                <a:r>
+                  <a:rPr lang="en-US" sz="850" dirty="0">
+                    <a:latin typeface="Calibri"/>
+                    <a:ea typeface="Calibri"/>
+                    <a:cs typeface="Calibri"/>
+                    <a:sym typeface="Calibri"/>
+                  </a:rPr>
+                  <a:t>S</a:t>
+                </a:r>
+                <a:endParaRPr sz="850" dirty="0">
+                  <a:latin typeface="Calibri"/>
+                  <a:ea typeface="Calibri"/>
+                  <a:cs typeface="Calibri"/>
+                  <a:sym typeface="Calibri"/>
+                </a:endParaRPr>
+              </a:p>
+            </p:txBody>
+          </p:sp>
+          <p:cxnSp>
+            <p:nvCxnSpPr>
+              <p:cNvPr id="109" name="Google Shape;109;g5b0f7406fe_0_0"/>
+              <p:cNvCxnSpPr>
+                <a:stCxn id="108" idx="1"/>
+                <a:endCxn id="107" idx="3"/>
+              </p:cNvCxnSpPr>
+              <p:nvPr/>
+            </p:nvCxnSpPr>
+            <p:spPr>
+              <a:xfrm rot="10800000">
+                <a:off x="5830843" y="2721744"/>
+                <a:ext cx="731700" cy="0"/>
+              </a:xfrm>
+              <a:prstGeom prst="straightConnector1">
+                <a:avLst/>
+              </a:prstGeom>
+              <a:noFill/>
+              <a:ln w="28575" cap="flat" cmpd="sng">
+                <a:solidFill>
+                  <a:srgbClr val="000000"/>
+                </a:solidFill>
+                <a:prstDash val="solid"/>
+                <a:round/>
+                <a:headEnd type="none" w="sm" len="sm"/>
+                <a:tailEnd type="none" w="sm" len="sm"/>
+              </a:ln>
+            </p:spPr>
+          </p:cxnSp>
+        </p:grpSp>
+        <p:sp>
+          <p:nvSpPr>
+            <p:cNvPr id="110" name="Google Shape;110;g5b0f7406fe_0_0"/>
+            <p:cNvSpPr/>
+            <p:nvPr/>
+          </p:nvSpPr>
+          <p:spPr>
+            <a:xfrm>
+              <a:off x="4070963" y="2426238"/>
+              <a:ext cx="214251" cy="198141"/>
+            </a:xfrm>
+            <a:prstGeom prst="rect">
+              <a:avLst/>
+            </a:prstGeom>
+            <a:noFill/>
+            <a:ln>
+              <a:noFill/>
+            </a:ln>
+          </p:spPr>
+          <p:txBody>
+            <a:bodyPr spcFirstLastPara="1" wrap="square" lIns="48760" tIns="24373" rIns="48760" bIns="24373" anchor="ctr" anchorCtr="0">
+              <a:noAutofit/>
+            </a:bodyPr>
+            <a:lstStyle/>
+            <a:p>
+              <a:pPr algn="ctr">
+                <a:buSzPts val="1400"/>
+              </a:pPr>
+              <a:r>
+                <a:rPr lang="en-US" sz="747">
+                  <a:latin typeface="Calibri"/>
+                  <a:ea typeface="Calibri"/>
+                  <a:cs typeface="Calibri"/>
+                  <a:sym typeface="Calibri"/>
+                </a:rPr>
+                <a:t>M</a:t>
+              </a:r>
+              <a:endParaRPr sz="747"/>
+            </a:p>
+          </p:txBody>
+        </p:sp>
+        <p:sp>
+          <p:nvSpPr>
+            <p:cNvPr id="111" name="Google Shape;111;g5b0f7406fe_0_0"/>
+            <p:cNvSpPr/>
+            <p:nvPr/>
+          </p:nvSpPr>
+          <p:spPr>
+            <a:xfrm>
+              <a:off x="4713823" y="2426238"/>
+              <a:ext cx="214251" cy="198141"/>
+            </a:xfrm>
+            <a:prstGeom prst="rect">
+              <a:avLst/>
+            </a:prstGeom>
+            <a:noFill/>
+            <a:ln>
+              <a:noFill/>
+            </a:ln>
+          </p:spPr>
+          <p:txBody>
+            <a:bodyPr spcFirstLastPara="1" wrap="square" lIns="48760" tIns="24373" rIns="48760" bIns="24373" anchor="ctr" anchorCtr="0">
+              <a:noAutofit/>
+            </a:bodyPr>
+            <a:lstStyle/>
+            <a:p>
+              <a:pPr algn="ctr">
+                <a:buSzPts val="1400"/>
+              </a:pPr>
+              <a:r>
+                <a:rPr lang="en-US" sz="747">
+                  <a:latin typeface="Calibri"/>
+                  <a:ea typeface="Calibri"/>
+                  <a:cs typeface="Calibri"/>
+                  <a:sym typeface="Calibri"/>
+                </a:rPr>
+                <a:t>S</a:t>
+              </a:r>
+              <a:endParaRPr sz="853">
+                <a:latin typeface="Calibri"/>
+                <a:ea typeface="Calibri"/>
+                <a:cs typeface="Calibri"/>
+                <a:sym typeface="Calibri"/>
+              </a:endParaRPr>
+            </a:p>
+          </p:txBody>
+        </p:sp>
+        <p:cxnSp>
+          <p:nvCxnSpPr>
+            <p:cNvPr id="112" name="Google Shape;112;g5b0f7406fe_0_0"/>
+            <p:cNvCxnSpPr>
+              <a:stCxn id="111" idx="1"/>
+              <a:endCxn id="110" idx="3"/>
+            </p:cNvCxnSpPr>
+            <p:nvPr/>
+          </p:nvCxnSpPr>
+          <p:spPr>
+            <a:xfrm rot="10800000">
+              <a:off x="4285144" y="2525308"/>
+              <a:ext cx="428679" cy="0"/>
+            </a:xfrm>
+            <a:prstGeom prst="straightConnector1">
+              <a:avLst/>
+            </a:prstGeom>
+            <a:noFill/>
+            <a:ln w="28575" cap="flat" cmpd="sng">
+              <a:solidFill>
+                <a:srgbClr val="000000"/>
+              </a:solidFill>
+              <a:prstDash val="solid"/>
+              <a:round/>
+              <a:headEnd type="none" w="sm" len="sm"/>
+              <a:tailEnd type="none" w="sm" len="sm"/>
+            </a:ln>
+          </p:spPr>
+        </p:cxnSp>
+        <p:cxnSp>
+          <p:nvCxnSpPr>
+            <p:cNvPr id="113" name="Google Shape;113;g5b0f7406fe_0_0"/>
+            <p:cNvCxnSpPr>
+              <a:stCxn id="114" idx="1"/>
+              <a:endCxn id="98" idx="3"/>
+            </p:cNvCxnSpPr>
+            <p:nvPr/>
+          </p:nvCxnSpPr>
+          <p:spPr>
+            <a:xfrm flipH="1" flipV="1">
+              <a:off x="1480059" y="4544384"/>
+              <a:ext cx="668689" cy="1048"/>
+            </a:xfrm>
+            <a:prstGeom prst="straightConnector1">
+              <a:avLst/>
+            </a:prstGeom>
+            <a:noFill/>
+            <a:ln w="28575" cap="flat" cmpd="sng">
+              <a:solidFill>
+                <a:srgbClr val="000000"/>
+              </a:solidFill>
+              <a:prstDash val="solid"/>
+              <a:round/>
+              <a:headEnd type="none" w="sm" len="sm"/>
+              <a:tailEnd type="none" w="sm" len="sm"/>
+            </a:ln>
+          </p:spPr>
+        </p:cxnSp>
+        <p:sp>
+          <p:nvSpPr>
+            <p:cNvPr id="115" name="Google Shape;115;g5b0f7406fe_0_0"/>
+            <p:cNvSpPr/>
+            <p:nvPr/>
+          </p:nvSpPr>
+          <p:spPr>
+            <a:xfrm>
+              <a:off x="944307" y="2440310"/>
+              <a:ext cx="535717" cy="148565"/>
+            </a:xfrm>
+            <a:prstGeom prst="roundRect">
+              <a:avLst>
+                <a:gd name="adj" fmla="val 16667"/>
+              </a:avLst>
+            </a:prstGeom>
+            <a:solidFill>
+              <a:srgbClr val="E5DFEC"/>
+            </a:solidFill>
+            <a:ln w="25400" cap="flat" cmpd="sng">
+              <a:solidFill>
+                <a:srgbClr val="000000"/>
+              </a:solidFill>
+              <a:prstDash val="solid"/>
+              <a:round/>
+              <a:headEnd type="none" w="sm" len="sm"/>
+              <a:tailEnd type="none" w="sm" len="sm"/>
+            </a:ln>
+          </p:spPr>
+          <p:txBody>
+            <a:bodyPr spcFirstLastPara="1" wrap="square" lIns="48760" tIns="24373" rIns="48760" bIns="24373" anchor="ctr" anchorCtr="0">
+              <a:noAutofit/>
+            </a:bodyPr>
+            <a:lstStyle/>
+            <a:p>
+              <a:pPr algn="ctr">
+                <a:buSzPts val="1400"/>
+              </a:pPr>
+              <a:r>
+                <a:rPr lang="en-US" sz="747">
+                  <a:solidFill>
+                    <a:srgbClr val="222222"/>
+                  </a:solidFill>
+                </a:rPr>
+                <a:t>RESET</a:t>
+              </a:r>
+              <a:endParaRPr sz="747">
+                <a:solidFill>
+                  <a:srgbClr val="222222"/>
+                </a:solidFill>
+              </a:endParaRPr>
+            </a:p>
+          </p:txBody>
+        </p:sp>
+        <p:cxnSp>
+          <p:nvCxnSpPr>
+            <p:cNvPr id="118" name="Google Shape;118;g5b0f7406fe_0_0"/>
+            <p:cNvCxnSpPr>
+              <a:stCxn id="115" idx="3"/>
+            </p:cNvCxnSpPr>
+            <p:nvPr/>
+          </p:nvCxnSpPr>
+          <p:spPr>
+            <a:xfrm rot="10800000" flipH="1">
+              <a:off x="1480023" y="2514430"/>
+              <a:ext cx="205815" cy="163"/>
+            </a:xfrm>
+            <a:prstGeom prst="straightConnector1">
+              <a:avLst/>
+            </a:prstGeom>
+            <a:noFill/>
+            <a:ln w="28575" cap="flat" cmpd="sng">
+              <a:solidFill>
+                <a:srgbClr val="000000"/>
+              </a:solidFill>
+              <a:prstDash val="solid"/>
+              <a:round/>
+              <a:headEnd type="none" w="sm" len="sm"/>
+              <a:tailEnd type="triangle" w="med" len="med"/>
+            </a:ln>
+          </p:spPr>
+        </p:cxnSp>
+        <p:sp>
+          <p:nvSpPr>
+            <p:cNvPr id="119" name="Google Shape;119;g5b0f7406fe_0_0"/>
+            <p:cNvSpPr txBox="1"/>
+            <p:nvPr/>
+          </p:nvSpPr>
+          <p:spPr>
+            <a:xfrm>
+              <a:off x="4814138" y="1806288"/>
+              <a:ext cx="749968" cy="148565"/>
+            </a:xfrm>
+            <a:prstGeom prst="rect">
+              <a:avLst/>
+            </a:prstGeom>
+            <a:noFill/>
+            <a:ln>
+              <a:noFill/>
+            </a:ln>
+          </p:spPr>
+          <p:txBody>
+            <a:bodyPr spcFirstLastPara="1" wrap="square" lIns="48760" tIns="24373" rIns="48760" bIns="24373" anchor="t" anchorCtr="0">
+              <a:noAutofit/>
+            </a:bodyPr>
+            <a:lstStyle/>
+            <a:p>
+              <a:pPr algn="ctr">
+                <a:buSzPts val="1600"/>
+              </a:pPr>
+              <a:r>
+                <a:rPr lang="en-US" sz="853" b="1" dirty="0">
+                  <a:latin typeface="Calibri"/>
+                  <a:ea typeface="Calibri"/>
+                  <a:cs typeface="Calibri"/>
+                  <a:sym typeface="Calibri"/>
+                </a:rPr>
+                <a:t>XCVU9P</a:t>
+              </a:r>
+              <a:r>
+                <a:rPr lang="en-US" sz="747" dirty="0"/>
+                <a:t> </a:t>
+              </a:r>
+              <a:r>
+                <a:rPr lang="en-US" sz="853" b="1" dirty="0">
+                  <a:latin typeface="Calibri"/>
+                  <a:ea typeface="Calibri"/>
+                  <a:cs typeface="Calibri"/>
+                  <a:sym typeface="Calibri"/>
+                </a:rPr>
+                <a:t>FPGA</a:t>
+              </a:r>
+              <a:endParaRPr sz="747" dirty="0"/>
+            </a:p>
+          </p:txBody>
+        </p:sp>
+        <p:cxnSp>
+          <p:nvCxnSpPr>
+            <p:cNvPr id="120" name="Google Shape;120;g5b0f7406fe_0_0"/>
+            <p:cNvCxnSpPr>
+              <a:cxnSpLocks/>
+              <a:stCxn id="121" idx="1"/>
+              <a:endCxn id="97" idx="3"/>
+            </p:cNvCxnSpPr>
+            <p:nvPr/>
+          </p:nvCxnSpPr>
+          <p:spPr>
+            <a:xfrm rot="10800000">
+              <a:off x="1480122" y="2786097"/>
+              <a:ext cx="313380" cy="0"/>
+            </a:xfrm>
+            <a:prstGeom prst="straightConnector1">
+              <a:avLst/>
+            </a:prstGeom>
+            <a:noFill/>
+            <a:ln w="28575" cap="flat" cmpd="sng">
+              <a:solidFill>
+                <a:srgbClr val="000000"/>
+              </a:solidFill>
+              <a:prstDash val="sysDot"/>
+              <a:round/>
+              <a:headEnd type="none" w="sm" len="sm"/>
+              <a:tailEnd type="none" w="sm" len="sm"/>
+            </a:ln>
+          </p:spPr>
+        </p:cxnSp>
+        <p:sp>
+          <p:nvSpPr>
+            <p:cNvPr id="122" name="Google Shape;122;g5b0f7406fe_0_0"/>
+            <p:cNvSpPr/>
+            <p:nvPr/>
+          </p:nvSpPr>
+          <p:spPr>
+            <a:xfrm>
+              <a:off x="4724376" y="2767438"/>
+              <a:ext cx="749968" cy="297293"/>
+            </a:xfrm>
+            <a:prstGeom prst="rect">
+              <a:avLst/>
+            </a:prstGeom>
+            <a:solidFill>
+              <a:srgbClr val="E5DFEC"/>
+            </a:solidFill>
+            <a:ln w="25400" cap="flat" cmpd="sng">
+              <a:solidFill>
+                <a:srgbClr val="000000"/>
+              </a:solidFill>
+              <a:prstDash val="solid"/>
+              <a:round/>
+              <a:headEnd type="none" w="sm" len="sm"/>
+              <a:tailEnd type="none" w="sm" len="sm"/>
+            </a:ln>
+          </p:spPr>
+          <p:txBody>
+            <a:bodyPr spcFirstLastPara="1" wrap="square" lIns="48760" tIns="24373" rIns="48760" bIns="24373" anchor="ctr" anchorCtr="0">
+              <a:noAutofit/>
+            </a:bodyPr>
+            <a:lstStyle/>
+            <a:p>
+              <a:pPr algn="ctr">
+                <a:buClr>
+                  <a:srgbClr val="222222"/>
+                </a:buClr>
+                <a:buSzPts val="1400"/>
+              </a:pPr>
+              <a:r>
+                <a:rPr lang="en-US" sz="747">
+                  <a:solidFill>
+                    <a:srgbClr val="222222"/>
+                  </a:solidFill>
+                </a:rPr>
+                <a:t>   BootROM</a:t>
+              </a:r>
+              <a:endParaRPr sz="747">
+                <a:latin typeface="Calibri"/>
+                <a:ea typeface="Calibri"/>
+                <a:cs typeface="Calibri"/>
+                <a:sym typeface="Calibri"/>
+              </a:endParaRPr>
+            </a:p>
+          </p:txBody>
+        </p:sp>
+        <p:grpSp>
+          <p:nvGrpSpPr>
+            <p:cNvPr id="123" name="Google Shape;123;g5b0f7406fe_0_0"/>
+            <p:cNvGrpSpPr/>
+            <p:nvPr/>
+          </p:nvGrpSpPr>
+          <p:grpSpPr>
+            <a:xfrm>
+              <a:off x="4070963" y="2816982"/>
+              <a:ext cx="857111" cy="198141"/>
+              <a:chOff x="5465263" y="2538894"/>
+              <a:chExt cx="1462980" cy="365700"/>
+            </a:xfrm>
+          </p:grpSpPr>
+          <p:sp>
+            <p:nvSpPr>
+              <p:cNvPr id="124" name="Google Shape;124;g5b0f7406fe_0_0"/>
+              <p:cNvSpPr/>
+              <p:nvPr/>
+            </p:nvSpPr>
+            <p:spPr>
+              <a:xfrm>
+                <a:off x="5465263" y="2538894"/>
+                <a:ext cx="365700" cy="365700"/>
+              </a:xfrm>
+              <a:prstGeom prst="rect">
+                <a:avLst/>
+              </a:prstGeom>
+              <a:noFill/>
+              <a:ln>
+                <a:noFill/>
+              </a:ln>
+            </p:spPr>
+            <p:txBody>
+              <a:bodyPr spcFirstLastPara="1" wrap="square" lIns="48760" tIns="24373" rIns="48760" bIns="24373" anchor="ctr" anchorCtr="0">
+                <a:noAutofit/>
+              </a:bodyPr>
+              <a:lstStyle/>
+              <a:p>
+                <a:pPr algn="ctr">
+                  <a:buSzPts val="1400"/>
+                </a:pPr>
+                <a:r>
+                  <a:rPr lang="en-US" sz="747">
+                    <a:latin typeface="Calibri"/>
+                    <a:ea typeface="Calibri"/>
+                    <a:cs typeface="Calibri"/>
+                    <a:sym typeface="Calibri"/>
+                  </a:rPr>
+                  <a:t>M</a:t>
+                </a:r>
+                <a:endParaRPr sz="747"/>
+              </a:p>
+            </p:txBody>
+          </p:sp>
+          <p:sp>
+            <p:nvSpPr>
+              <p:cNvPr id="125" name="Google Shape;125;g5b0f7406fe_0_0"/>
+              <p:cNvSpPr/>
+              <p:nvPr/>
+            </p:nvSpPr>
+            <p:spPr>
+              <a:xfrm>
+                <a:off x="6562543" y="2538894"/>
+                <a:ext cx="365700" cy="365700"/>
+              </a:xfrm>
+              <a:prstGeom prst="rect">
+                <a:avLst/>
+              </a:prstGeom>
+              <a:noFill/>
+              <a:ln>
+                <a:noFill/>
+              </a:ln>
+            </p:spPr>
+            <p:txBody>
+              <a:bodyPr spcFirstLastPara="1" wrap="square" lIns="48760" tIns="24373" rIns="48760" bIns="24373" anchor="ctr" anchorCtr="0">
+                <a:noAutofit/>
+              </a:bodyPr>
+              <a:lstStyle/>
+              <a:p>
+                <a:pPr algn="ctr">
+                  <a:buSzPts val="1400"/>
+                </a:pPr>
+                <a:r>
+                  <a:rPr lang="en-US" sz="747">
+                    <a:latin typeface="Calibri"/>
+                    <a:ea typeface="Calibri"/>
+                    <a:cs typeface="Calibri"/>
+                    <a:sym typeface="Calibri"/>
+                  </a:rPr>
+                  <a:t>S</a:t>
+                </a:r>
+                <a:endParaRPr sz="853">
+                  <a:latin typeface="Calibri"/>
+                  <a:ea typeface="Calibri"/>
+                  <a:cs typeface="Calibri"/>
+                  <a:sym typeface="Calibri"/>
+                </a:endParaRPr>
+              </a:p>
+            </p:txBody>
+          </p:sp>
+          <p:cxnSp>
+            <p:nvCxnSpPr>
+              <p:cNvPr id="126" name="Google Shape;126;g5b0f7406fe_0_0"/>
+              <p:cNvCxnSpPr>
+                <a:stCxn id="125" idx="1"/>
+                <a:endCxn id="124" idx="3"/>
+              </p:cNvCxnSpPr>
+              <p:nvPr/>
+            </p:nvCxnSpPr>
+            <p:spPr>
+              <a:xfrm rot="10800000">
+                <a:off x="5830843" y="2721744"/>
+                <a:ext cx="731700" cy="0"/>
+              </a:xfrm>
+              <a:prstGeom prst="straightConnector1">
+                <a:avLst/>
+              </a:prstGeom>
+              <a:noFill/>
+              <a:ln w="28575" cap="flat" cmpd="sng">
+                <a:solidFill>
+                  <a:srgbClr val="000000"/>
+                </a:solidFill>
+                <a:prstDash val="solid"/>
+                <a:round/>
+                <a:headEnd type="none" w="sm" len="sm"/>
+                <a:tailEnd type="none" w="sm" len="sm"/>
+              </a:ln>
+            </p:spPr>
+          </p:cxnSp>
+        </p:grpSp>
+        <p:sp>
+          <p:nvSpPr>
+            <p:cNvPr id="127" name="Google Shape;127;g5b0f7406fe_0_0"/>
+            <p:cNvSpPr txBox="1"/>
+            <p:nvPr/>
+          </p:nvSpPr>
+          <p:spPr>
+            <a:xfrm>
+              <a:off x="4285250" y="2783227"/>
+              <a:ext cx="442036" cy="270961"/>
+            </a:xfrm>
+            <a:prstGeom prst="rect">
+              <a:avLst/>
+            </a:prstGeom>
+            <a:noFill/>
+            <a:ln>
+              <a:noFill/>
+            </a:ln>
+          </p:spPr>
+          <p:txBody>
+            <a:bodyPr spcFirstLastPara="1" wrap="square" lIns="48760" tIns="24373" rIns="48760" bIns="24373" anchor="t" anchorCtr="0">
+              <a:noAutofit/>
+            </a:bodyPr>
+            <a:lstStyle/>
+            <a:p>
+              <a:pPr algn="ctr">
+                <a:buSzPts val="1200"/>
+              </a:pPr>
+              <a:r>
+                <a:rPr lang="en-US" sz="640">
+                  <a:latin typeface="Calibri"/>
+                  <a:ea typeface="Calibri"/>
+                  <a:cs typeface="Calibri"/>
+                  <a:sym typeface="Calibri"/>
+                </a:rPr>
+                <a:t>AXI4-Lite</a:t>
+              </a:r>
+              <a:endParaRPr sz="747"/>
+            </a:p>
+            <a:p>
+              <a:pPr algn="ctr">
+                <a:spcBef>
+                  <a:spcPts val="160"/>
+                </a:spcBef>
+                <a:buSzPts val="1200"/>
+              </a:pPr>
+              <a:r>
+                <a:rPr lang="en-US" sz="640">
+                  <a:latin typeface="Calibri"/>
+                  <a:ea typeface="Calibri"/>
+                  <a:cs typeface="Calibri"/>
+                  <a:sym typeface="Calibri"/>
+                </a:rPr>
+                <a:t>32b </a:t>
+              </a:r>
+              <a:endParaRPr sz="747"/>
+            </a:p>
+          </p:txBody>
+        </p:sp>
+        <p:sp>
+          <p:nvSpPr>
+            <p:cNvPr id="128" name="Google Shape;128;g5b0f7406fe_0_0"/>
+            <p:cNvSpPr txBox="1"/>
+            <p:nvPr/>
+          </p:nvSpPr>
+          <p:spPr>
+            <a:xfrm>
+              <a:off x="4284762" y="2361484"/>
+              <a:ext cx="442036" cy="152947"/>
+            </a:xfrm>
+            <a:prstGeom prst="rect">
+              <a:avLst/>
+            </a:prstGeom>
+            <a:noFill/>
+            <a:ln>
+              <a:noFill/>
+            </a:ln>
+          </p:spPr>
+          <p:txBody>
+            <a:bodyPr spcFirstLastPara="1" wrap="square" lIns="48760" tIns="24373" rIns="48760" bIns="24373" anchor="t" anchorCtr="0">
+              <a:noAutofit/>
+            </a:bodyPr>
+            <a:lstStyle/>
+            <a:p>
+              <a:pPr algn="ctr">
+                <a:buSzPts val="1200"/>
+              </a:pPr>
+              <a:r>
+                <a:rPr lang="en-US" sz="640" dirty="0">
+                  <a:latin typeface="Calibri"/>
+                  <a:ea typeface="Calibri"/>
+                  <a:cs typeface="Calibri"/>
+                  <a:sym typeface="Calibri"/>
+                </a:rPr>
+                <a:t>AXI4 512b </a:t>
+              </a:r>
+              <a:endParaRPr sz="747" dirty="0"/>
+            </a:p>
+          </p:txBody>
+        </p:sp>
+        <p:sp>
+          <p:nvSpPr>
+            <p:cNvPr id="129" name="Google Shape;129;g5b0f7406fe_0_0"/>
+            <p:cNvSpPr txBox="1"/>
+            <p:nvPr/>
+          </p:nvSpPr>
+          <p:spPr>
+            <a:xfrm>
+              <a:off x="3098779" y="2333125"/>
+              <a:ext cx="442036" cy="161520"/>
+            </a:xfrm>
+            <a:prstGeom prst="rect">
+              <a:avLst/>
+            </a:prstGeom>
+            <a:noFill/>
+            <a:ln>
+              <a:noFill/>
+            </a:ln>
+          </p:spPr>
+          <p:txBody>
+            <a:bodyPr spcFirstLastPara="1" wrap="square" lIns="48760" tIns="24373" rIns="48760" bIns="24373" anchor="t" anchorCtr="0">
+              <a:noAutofit/>
+            </a:bodyPr>
+            <a:lstStyle/>
+            <a:p>
+              <a:pPr algn="ctr">
+                <a:buSzPts val="1200"/>
+              </a:pPr>
+              <a:r>
+                <a:rPr lang="en-US" sz="640" dirty="0">
+                  <a:latin typeface="Calibri"/>
+                  <a:ea typeface="Calibri"/>
+                  <a:cs typeface="Calibri"/>
+                  <a:sym typeface="Calibri"/>
+                </a:rPr>
+                <a:t>AXI4</a:t>
+              </a:r>
+              <a:r>
+                <a:rPr lang="en-US" sz="747" dirty="0">
+                  <a:ea typeface="Calibri"/>
+                </a:rPr>
+                <a:t> </a:t>
+              </a:r>
+              <a:r>
+                <a:rPr lang="en-US" sz="640" dirty="0">
+                  <a:latin typeface="Calibri"/>
+                  <a:ea typeface="Calibri"/>
+                  <a:cs typeface="Calibri"/>
+                  <a:sym typeface="Calibri"/>
+                </a:rPr>
+                <a:t>64b </a:t>
+              </a:r>
+              <a:endParaRPr sz="747" dirty="0"/>
+            </a:p>
+          </p:txBody>
+        </p:sp>
+        <p:sp>
+          <p:nvSpPr>
+            <p:cNvPr id="114" name="Google Shape;114;g5b0f7406fe_0_0"/>
+            <p:cNvSpPr/>
+            <p:nvPr/>
+          </p:nvSpPr>
+          <p:spPr>
+            <a:xfrm>
+              <a:off x="2148748" y="4421573"/>
+              <a:ext cx="749968" cy="247717"/>
+            </a:xfrm>
+            <a:prstGeom prst="rect">
+              <a:avLst/>
+            </a:prstGeom>
+            <a:solidFill>
+              <a:srgbClr val="E5DFEC"/>
+            </a:solidFill>
+            <a:ln w="25400" cap="flat" cmpd="sng">
+              <a:solidFill>
+                <a:srgbClr val="000000"/>
+              </a:solidFill>
+              <a:prstDash val="solid"/>
+              <a:round/>
+              <a:headEnd type="none" w="sm" len="sm"/>
+              <a:tailEnd type="none" w="sm" len="sm"/>
+            </a:ln>
+          </p:spPr>
+          <p:txBody>
+            <a:bodyPr spcFirstLastPara="1" wrap="square" lIns="48760" tIns="24373" rIns="48760" bIns="24373" anchor="ctr" anchorCtr="0">
+              <a:noAutofit/>
+            </a:bodyPr>
+            <a:lstStyle/>
+            <a:p>
+              <a:pPr algn="ctr">
+                <a:buSzPts val="1400"/>
+              </a:pPr>
+              <a:r>
+                <a:rPr lang="en-US" sz="747">
+                  <a:solidFill>
+                    <a:srgbClr val="222222"/>
+                  </a:solidFill>
+                </a:rPr>
+                <a:t>UART0</a:t>
+              </a:r>
+              <a:endParaRPr sz="747">
+                <a:solidFill>
+                  <a:srgbClr val="222222"/>
+                </a:solidFill>
+              </a:endParaRPr>
+            </a:p>
+          </p:txBody>
+        </p:sp>
+        <p:grpSp>
+          <p:nvGrpSpPr>
+            <p:cNvPr id="130" name="Google Shape;130;g5b0f7406fe_0_0"/>
+            <p:cNvGrpSpPr/>
+            <p:nvPr/>
+          </p:nvGrpSpPr>
+          <p:grpSpPr>
+            <a:xfrm flipH="1">
+              <a:off x="2685054" y="4450473"/>
+              <a:ext cx="1061908" cy="198141"/>
+              <a:chOff x="5465263" y="2386494"/>
+              <a:chExt cx="1812542" cy="365700"/>
+            </a:xfrm>
+          </p:grpSpPr>
+          <p:sp>
+            <p:nvSpPr>
+              <p:cNvPr id="131" name="Google Shape;131;g5b0f7406fe_0_0"/>
+              <p:cNvSpPr/>
+              <p:nvPr/>
+            </p:nvSpPr>
+            <p:spPr>
+              <a:xfrm>
+                <a:off x="5465263" y="2386494"/>
+                <a:ext cx="365700" cy="365700"/>
+              </a:xfrm>
+              <a:prstGeom prst="rect">
+                <a:avLst/>
+              </a:prstGeom>
+              <a:noFill/>
+              <a:ln>
+                <a:noFill/>
+              </a:ln>
+            </p:spPr>
+            <p:txBody>
+              <a:bodyPr spcFirstLastPara="1" wrap="square" lIns="48760" tIns="24373" rIns="48760" bIns="24373" anchor="ctr" anchorCtr="0">
+                <a:noAutofit/>
+              </a:bodyPr>
+              <a:lstStyle/>
+              <a:p>
+                <a:pPr algn="ctr">
+                  <a:buSzPts val="1400"/>
+                </a:pPr>
+                <a:r>
+                  <a:rPr lang="en-US" sz="747" dirty="0">
+                    <a:latin typeface="Calibri"/>
+                    <a:ea typeface="Calibri"/>
+                    <a:cs typeface="Calibri"/>
+                    <a:sym typeface="Calibri"/>
+                  </a:rPr>
+                  <a:t>M</a:t>
+                </a:r>
+                <a:endParaRPr sz="853" dirty="0">
+                  <a:latin typeface="Calibri"/>
+                  <a:ea typeface="Calibri"/>
+                  <a:cs typeface="Calibri"/>
+                  <a:sym typeface="Calibri"/>
+                </a:endParaRPr>
+              </a:p>
+            </p:txBody>
+          </p:sp>
+          <p:sp>
+            <p:nvSpPr>
+              <p:cNvPr id="132" name="Google Shape;132;g5b0f7406fe_0_0"/>
+              <p:cNvSpPr/>
+              <p:nvPr/>
+            </p:nvSpPr>
+            <p:spPr>
+              <a:xfrm>
+                <a:off x="6912106" y="2386494"/>
+                <a:ext cx="365699" cy="365700"/>
+              </a:xfrm>
+              <a:prstGeom prst="rect">
+                <a:avLst/>
+              </a:prstGeom>
+              <a:noFill/>
+              <a:ln>
+                <a:noFill/>
+              </a:ln>
+            </p:spPr>
+            <p:txBody>
+              <a:bodyPr spcFirstLastPara="1" wrap="square" lIns="48760" tIns="24373" rIns="48760" bIns="24373" anchor="ctr" anchorCtr="0">
+                <a:noAutofit/>
+              </a:bodyPr>
+              <a:lstStyle/>
+              <a:p>
+                <a:pPr algn="r">
+                  <a:buSzPts val="1400"/>
+                </a:pPr>
+                <a:r>
+                  <a:rPr lang="en-US" sz="750" dirty="0">
+                    <a:latin typeface="Calibri"/>
+                    <a:ea typeface="Calibri"/>
+                    <a:cs typeface="Calibri"/>
+                    <a:sym typeface="Calibri"/>
+                  </a:rPr>
+                  <a:t>S</a:t>
+                </a:r>
+                <a:endParaRPr sz="750" dirty="0"/>
+              </a:p>
+            </p:txBody>
+          </p:sp>
+          <p:cxnSp>
+            <p:nvCxnSpPr>
+              <p:cNvPr id="133" name="Google Shape;133;g5b0f7406fe_0_0"/>
+              <p:cNvCxnSpPr>
+                <a:stCxn id="132" idx="1"/>
+                <a:endCxn id="131" idx="3"/>
+              </p:cNvCxnSpPr>
+              <p:nvPr/>
+            </p:nvCxnSpPr>
+            <p:spPr>
+              <a:xfrm>
+                <a:off x="5830962" y="2569345"/>
+                <a:ext cx="1081144" cy="0"/>
+              </a:xfrm>
+              <a:prstGeom prst="straightConnector1">
+                <a:avLst/>
+              </a:prstGeom>
+              <a:noFill/>
+              <a:ln w="28575" cap="flat" cmpd="sng">
+                <a:solidFill>
+                  <a:srgbClr val="000000"/>
+                </a:solidFill>
+                <a:prstDash val="solid"/>
+                <a:round/>
+                <a:headEnd type="none" w="sm" len="sm"/>
+                <a:tailEnd type="none" w="sm" len="sm"/>
+              </a:ln>
+            </p:spPr>
+          </p:cxnSp>
+        </p:grpSp>
+        <p:sp>
+          <p:nvSpPr>
+            <p:cNvPr id="134" name="Google Shape;134;g5b0f7406fe_0_0"/>
+            <p:cNvSpPr txBox="1"/>
+            <p:nvPr/>
+          </p:nvSpPr>
+          <p:spPr>
+            <a:xfrm>
+              <a:off x="3013110" y="4407194"/>
+              <a:ext cx="442036" cy="127664"/>
+            </a:xfrm>
+            <a:prstGeom prst="rect">
+              <a:avLst/>
+            </a:prstGeom>
+            <a:noFill/>
+            <a:ln>
+              <a:noFill/>
+            </a:ln>
+          </p:spPr>
+          <p:txBody>
+            <a:bodyPr spcFirstLastPara="1" wrap="square" lIns="48760" tIns="24373" rIns="48760" bIns="24373" anchor="t" anchorCtr="0">
+              <a:noAutofit/>
+            </a:bodyPr>
+            <a:lstStyle/>
+            <a:p>
+              <a:pPr algn="ctr">
+                <a:buSzPts val="1200"/>
+              </a:pPr>
+              <a:r>
+                <a:rPr lang="en-US" sz="640" dirty="0">
+                  <a:latin typeface="Calibri"/>
+                  <a:ea typeface="Calibri"/>
+                  <a:cs typeface="Calibri"/>
+                  <a:sym typeface="Calibri"/>
+                </a:rPr>
+                <a:t>AXI4 32b </a:t>
+              </a:r>
+              <a:endParaRPr sz="747" dirty="0"/>
+            </a:p>
+          </p:txBody>
+        </p:sp>
+        <p:sp>
+          <p:nvSpPr>
+            <p:cNvPr id="121" name="Google Shape;121;g5b0f7406fe_0_0"/>
+            <p:cNvSpPr/>
+            <p:nvPr/>
+          </p:nvSpPr>
+          <p:spPr>
+            <a:xfrm>
+              <a:off x="1793503" y="2691578"/>
+              <a:ext cx="429557" cy="189039"/>
+            </a:xfrm>
+            <a:prstGeom prst="rect">
+              <a:avLst/>
+            </a:prstGeom>
+            <a:solidFill>
+              <a:srgbClr val="C2D59B"/>
+            </a:solidFill>
+            <a:ln w="25400" cap="flat" cmpd="sng">
+              <a:solidFill>
+                <a:srgbClr val="000000"/>
+              </a:solidFill>
+              <a:prstDash val="solid"/>
+              <a:round/>
+              <a:headEnd type="none" w="sm" len="sm"/>
+              <a:tailEnd type="none" w="sm" len="sm"/>
+            </a:ln>
+          </p:spPr>
+          <p:txBody>
+            <a:bodyPr spcFirstLastPara="1" wrap="square" lIns="48760" tIns="0" rIns="48760" bIns="0" anchor="ctr" anchorCtr="0">
+              <a:noAutofit/>
+            </a:bodyPr>
+            <a:lstStyle/>
+            <a:p>
+              <a:pPr algn="ctr">
+                <a:buSzPts val="1400"/>
+              </a:pPr>
+              <a:r>
+                <a:rPr lang="en-US" sz="747">
+                  <a:solidFill>
+                    <a:srgbClr val="222222"/>
+                  </a:solidFill>
+                </a:rPr>
+                <a:t>JTAG</a:t>
+              </a:r>
+              <a:endParaRPr sz="747">
+                <a:solidFill>
+                  <a:srgbClr val="222222"/>
+                </a:solidFill>
+              </a:endParaRPr>
+            </a:p>
+          </p:txBody>
+        </p:sp>
+        <p:cxnSp>
+          <p:nvCxnSpPr>
+            <p:cNvPr id="135" name="Google Shape;135;g5b0f7406fe_0_0"/>
+            <p:cNvCxnSpPr/>
+            <p:nvPr/>
+          </p:nvCxnSpPr>
+          <p:spPr>
+            <a:xfrm rot="10800000">
+              <a:off x="2222979" y="2784811"/>
+              <a:ext cx="135335" cy="0"/>
+            </a:xfrm>
+            <a:prstGeom prst="straightConnector1">
+              <a:avLst/>
+            </a:prstGeom>
+            <a:noFill/>
+            <a:ln w="28575" cap="flat" cmpd="sng">
+              <a:solidFill>
+                <a:srgbClr val="000000"/>
+              </a:solidFill>
+              <a:prstDash val="solid"/>
+              <a:round/>
+              <a:headEnd type="none" w="sm" len="sm"/>
+              <a:tailEnd type="none" w="sm" len="sm"/>
+            </a:ln>
+          </p:spPr>
+        </p:cxnSp>
+        <p:sp>
+          <p:nvSpPr>
+            <p:cNvPr id="136" name="Google Shape;136;g5b0f7406fe_0_0"/>
+            <p:cNvSpPr/>
+            <p:nvPr/>
+          </p:nvSpPr>
+          <p:spPr>
+            <a:xfrm>
+              <a:off x="2148748" y="3964531"/>
+              <a:ext cx="749968" cy="351640"/>
+            </a:xfrm>
+            <a:prstGeom prst="rect">
+              <a:avLst/>
+            </a:prstGeom>
+            <a:solidFill>
+              <a:srgbClr val="E5DFEC"/>
+            </a:solidFill>
+            <a:ln w="25400" cap="flat" cmpd="sng">
+              <a:solidFill>
+                <a:srgbClr val="000000"/>
+              </a:solidFill>
+              <a:prstDash val="solid"/>
+              <a:round/>
+              <a:headEnd type="none" w="sm" len="sm"/>
+              <a:tailEnd type="none" w="sm" len="sm"/>
+            </a:ln>
+          </p:spPr>
+          <p:txBody>
+            <a:bodyPr spcFirstLastPara="1" wrap="square" lIns="48760" tIns="24373" rIns="48760" bIns="24373" anchor="ctr" anchorCtr="0">
+              <a:noAutofit/>
+            </a:bodyPr>
+            <a:lstStyle/>
+            <a:p>
+              <a:pPr>
+                <a:buSzPts val="1600"/>
+              </a:pPr>
+              <a:endParaRPr lang="en-US" sz="853" dirty="0">
+                <a:solidFill>
+                  <a:srgbClr val="222222"/>
+                </a:solidFill>
+              </a:endParaRPr>
+            </a:p>
+            <a:p>
+              <a:pPr>
+                <a:buSzPts val="1600"/>
+              </a:pPr>
+              <a:r>
+                <a:rPr lang="en-US" sz="747" dirty="0">
+                  <a:solidFill>
+                    <a:srgbClr val="222222"/>
+                  </a:solidFill>
+                </a:rPr>
+                <a:t>Ethernet</a:t>
+              </a:r>
+              <a:endParaRPr sz="853" dirty="0">
+                <a:solidFill>
+                  <a:srgbClr val="222222"/>
+                </a:solidFill>
+              </a:endParaRPr>
+            </a:p>
+          </p:txBody>
+        </p:sp>
+        <p:grpSp>
+          <p:nvGrpSpPr>
+            <p:cNvPr id="137" name="Google Shape;137;g5b0f7406fe_0_0"/>
+            <p:cNvGrpSpPr/>
+            <p:nvPr/>
+          </p:nvGrpSpPr>
+          <p:grpSpPr>
+            <a:xfrm flipH="1">
+              <a:off x="2685049" y="4097354"/>
+              <a:ext cx="1061911" cy="198141"/>
+              <a:chOff x="5465263" y="2386494"/>
+              <a:chExt cx="1812547" cy="365700"/>
+            </a:xfrm>
+          </p:grpSpPr>
+          <p:sp>
+            <p:nvSpPr>
+              <p:cNvPr id="138" name="Google Shape;138;g5b0f7406fe_0_0"/>
+              <p:cNvSpPr/>
+              <p:nvPr/>
+            </p:nvSpPr>
+            <p:spPr>
+              <a:xfrm>
+                <a:off x="5465263" y="2386494"/>
+                <a:ext cx="365700" cy="365700"/>
+              </a:xfrm>
+              <a:prstGeom prst="rect">
+                <a:avLst/>
+              </a:prstGeom>
+              <a:noFill/>
+              <a:ln>
+                <a:noFill/>
+              </a:ln>
+            </p:spPr>
+            <p:txBody>
+              <a:bodyPr spcFirstLastPara="1" wrap="square" lIns="48760" tIns="24373" rIns="48760" bIns="24373" anchor="ctr" anchorCtr="0">
+                <a:noAutofit/>
+              </a:bodyPr>
+              <a:lstStyle/>
+              <a:p>
+                <a:pPr algn="ctr">
+                  <a:buSzPts val="1400"/>
+                </a:pPr>
+                <a:r>
+                  <a:rPr lang="en-US" sz="747">
+                    <a:latin typeface="Calibri"/>
+                    <a:ea typeface="Calibri"/>
+                    <a:cs typeface="Calibri"/>
+                    <a:sym typeface="Calibri"/>
+                  </a:rPr>
+                  <a:t>M</a:t>
+                </a:r>
+                <a:endParaRPr sz="747"/>
+              </a:p>
+            </p:txBody>
+          </p:sp>
+          <p:sp>
+            <p:nvSpPr>
+              <p:cNvPr id="139" name="Google Shape;139;g5b0f7406fe_0_0"/>
+              <p:cNvSpPr/>
+              <p:nvPr/>
+            </p:nvSpPr>
+            <p:spPr>
+              <a:xfrm>
+                <a:off x="6912111" y="2386494"/>
+                <a:ext cx="365699" cy="365700"/>
+              </a:xfrm>
+              <a:prstGeom prst="rect">
+                <a:avLst/>
+              </a:prstGeom>
+              <a:noFill/>
+              <a:ln>
+                <a:noFill/>
+              </a:ln>
+            </p:spPr>
+            <p:txBody>
+              <a:bodyPr spcFirstLastPara="1" wrap="square" lIns="48760" tIns="24373" rIns="48760" bIns="24373" anchor="ctr" anchorCtr="0">
+                <a:noAutofit/>
+              </a:bodyPr>
+              <a:lstStyle/>
+              <a:p>
+                <a:pPr algn="r">
+                  <a:buSzPts val="1400"/>
+                </a:pPr>
+                <a:r>
+                  <a:rPr lang="en-US" sz="750" dirty="0">
+                    <a:latin typeface="Calibri"/>
+                    <a:ea typeface="Calibri"/>
+                    <a:cs typeface="Calibri"/>
+                    <a:sym typeface="Calibri"/>
+                  </a:rPr>
+                  <a:t>S</a:t>
+                </a:r>
+                <a:endParaRPr sz="750" dirty="0">
+                  <a:latin typeface="Calibri"/>
+                  <a:ea typeface="Calibri"/>
+                  <a:cs typeface="Calibri"/>
+                  <a:sym typeface="Calibri"/>
+                </a:endParaRPr>
+              </a:p>
+            </p:txBody>
+          </p:sp>
+          <p:cxnSp>
+            <p:nvCxnSpPr>
+              <p:cNvPr id="140" name="Google Shape;140;g5b0f7406fe_0_0"/>
+              <p:cNvCxnSpPr>
+                <a:stCxn id="139" idx="1"/>
+                <a:endCxn id="138" idx="3"/>
+              </p:cNvCxnSpPr>
+              <p:nvPr/>
+            </p:nvCxnSpPr>
+            <p:spPr>
+              <a:xfrm>
+                <a:off x="5830962" y="2569345"/>
+                <a:ext cx="1081149" cy="0"/>
+              </a:xfrm>
+              <a:prstGeom prst="straightConnector1">
+                <a:avLst/>
+              </a:prstGeom>
+              <a:noFill/>
+              <a:ln w="28575" cap="flat" cmpd="sng">
+                <a:solidFill>
+                  <a:srgbClr val="000000"/>
+                </a:solidFill>
+                <a:prstDash val="solid"/>
+                <a:round/>
+                <a:headEnd type="none" w="sm" len="sm"/>
+                <a:tailEnd type="none" w="sm" len="sm"/>
+              </a:ln>
+            </p:spPr>
+          </p:cxnSp>
+        </p:grpSp>
+        <p:sp>
+          <p:nvSpPr>
+            <p:cNvPr id="141" name="Google Shape;141;g5b0f7406fe_0_0"/>
+            <p:cNvSpPr txBox="1"/>
+            <p:nvPr/>
+          </p:nvSpPr>
+          <p:spPr>
+            <a:xfrm>
+              <a:off x="3013110" y="4063600"/>
+              <a:ext cx="442036" cy="132826"/>
+            </a:xfrm>
+            <a:prstGeom prst="rect">
+              <a:avLst/>
+            </a:prstGeom>
+            <a:noFill/>
+            <a:ln>
+              <a:noFill/>
+            </a:ln>
+          </p:spPr>
+          <p:txBody>
+            <a:bodyPr spcFirstLastPara="1" wrap="square" lIns="48760" tIns="24373" rIns="48760" bIns="24373" anchor="t" anchorCtr="0">
+              <a:noAutofit/>
+            </a:bodyPr>
+            <a:lstStyle/>
+            <a:p>
+              <a:pPr algn="ctr">
+                <a:buSzPts val="1200"/>
+              </a:pPr>
+              <a:r>
+                <a:rPr lang="en-US" sz="640" dirty="0">
+                  <a:latin typeface="Calibri"/>
+                  <a:ea typeface="Calibri"/>
+                  <a:cs typeface="Calibri"/>
+                  <a:sym typeface="Calibri"/>
+                </a:rPr>
+                <a:t>AXI4 32b</a:t>
+              </a:r>
+              <a:endParaRPr sz="747" dirty="0"/>
+            </a:p>
+          </p:txBody>
+        </p:sp>
+        <p:sp>
+          <p:nvSpPr>
+            <p:cNvPr id="142" name="Google Shape;142;g5b0f7406fe_0_0"/>
+            <p:cNvSpPr/>
+            <p:nvPr/>
+          </p:nvSpPr>
+          <p:spPr>
+            <a:xfrm>
+              <a:off x="2148748" y="3361928"/>
+              <a:ext cx="749968" cy="427131"/>
+            </a:xfrm>
+            <a:prstGeom prst="rect">
+              <a:avLst/>
+            </a:prstGeom>
+            <a:solidFill>
+              <a:srgbClr val="E5DFEC"/>
+            </a:solidFill>
+            <a:ln w="25400" cap="flat" cmpd="sng">
+              <a:solidFill>
+                <a:srgbClr val="000000"/>
+              </a:solidFill>
+              <a:prstDash val="solid"/>
+              <a:round/>
+              <a:headEnd type="none" w="sm" len="sm"/>
+              <a:tailEnd type="none" w="sm" len="sm"/>
+            </a:ln>
+          </p:spPr>
+          <p:txBody>
+            <a:bodyPr spcFirstLastPara="1" wrap="square" lIns="48760" tIns="24373" rIns="48760" bIns="24373" anchor="t" anchorCtr="0">
+              <a:noAutofit/>
+            </a:bodyPr>
+            <a:lstStyle/>
+            <a:p>
+              <a:pPr>
+                <a:buSzPts val="1400"/>
+              </a:pPr>
+              <a:r>
+                <a:rPr lang="en-US" sz="747" dirty="0">
+                  <a:solidFill>
+                    <a:srgbClr val="222222"/>
+                  </a:solidFill>
+                </a:rPr>
+                <a:t>   </a:t>
+              </a:r>
+            </a:p>
+            <a:p>
+              <a:pPr>
+                <a:buSzPts val="1400"/>
+              </a:pPr>
+              <a:r>
+                <a:rPr lang="en-US" sz="747" dirty="0">
+                  <a:solidFill>
+                    <a:srgbClr val="222222"/>
+                  </a:solidFill>
+                </a:rPr>
+                <a:t>DMA</a:t>
+              </a:r>
+              <a:endParaRPr sz="747" dirty="0">
+                <a:solidFill>
+                  <a:srgbClr val="222222"/>
+                </a:solidFill>
+              </a:endParaRPr>
+            </a:p>
+          </p:txBody>
+        </p:sp>
+        <p:grpSp>
+          <p:nvGrpSpPr>
+            <p:cNvPr id="143" name="Google Shape;143;g5b0f7406fe_0_0"/>
+            <p:cNvGrpSpPr/>
+            <p:nvPr/>
+          </p:nvGrpSpPr>
+          <p:grpSpPr>
+            <a:xfrm flipH="1">
+              <a:off x="2504028" y="3367701"/>
+              <a:ext cx="1380268" cy="198141"/>
+              <a:chOff x="5230862" y="2386494"/>
+              <a:chExt cx="2355944" cy="365700"/>
+            </a:xfrm>
+          </p:grpSpPr>
+          <p:sp>
+            <p:nvSpPr>
+              <p:cNvPr id="144" name="Google Shape;144;g5b0f7406fe_0_0"/>
+              <p:cNvSpPr/>
+              <p:nvPr/>
+            </p:nvSpPr>
+            <p:spPr>
+              <a:xfrm>
+                <a:off x="5230862" y="2386494"/>
+                <a:ext cx="600168" cy="365700"/>
+              </a:xfrm>
+              <a:prstGeom prst="rect">
+                <a:avLst/>
+              </a:prstGeom>
+              <a:noFill/>
+              <a:ln>
+                <a:noFill/>
+              </a:ln>
+            </p:spPr>
+            <p:txBody>
+              <a:bodyPr spcFirstLastPara="1" wrap="square" lIns="48760" tIns="24373" rIns="48760" bIns="24373" anchor="ctr" anchorCtr="0">
+                <a:noAutofit/>
+              </a:bodyPr>
+              <a:lstStyle/>
+              <a:p>
+                <a:pPr algn="ctr">
+                  <a:buSzPts val="1400"/>
+                </a:pPr>
+                <a:r>
+                  <a:rPr lang="en-US" sz="747" dirty="0">
+                    <a:latin typeface="Calibri"/>
+                    <a:ea typeface="Calibri"/>
+                    <a:cs typeface="Calibri"/>
+                    <a:sym typeface="Calibri"/>
+                  </a:rPr>
+                  <a:t>3S+M</a:t>
+                </a:r>
+                <a:endParaRPr sz="747" dirty="0"/>
+              </a:p>
+            </p:txBody>
+          </p:sp>
+          <p:sp>
+            <p:nvSpPr>
+              <p:cNvPr id="145" name="Google Shape;145;g5b0f7406fe_0_0"/>
+              <p:cNvSpPr/>
+              <p:nvPr/>
+            </p:nvSpPr>
+            <p:spPr>
+              <a:xfrm>
+                <a:off x="6912106" y="2386494"/>
+                <a:ext cx="674700" cy="365700"/>
+              </a:xfrm>
+              <a:prstGeom prst="rect">
+                <a:avLst/>
+              </a:prstGeom>
+              <a:noFill/>
+              <a:ln>
+                <a:noFill/>
+              </a:ln>
+            </p:spPr>
+            <p:txBody>
+              <a:bodyPr spcFirstLastPara="1" wrap="square" lIns="48760" tIns="24373" rIns="48760" bIns="24373" anchor="ctr" anchorCtr="0">
+                <a:noAutofit/>
+              </a:bodyPr>
+              <a:lstStyle/>
+              <a:p>
+                <a:pPr algn="r">
+                  <a:buSzPts val="1400"/>
+                </a:pPr>
+                <a:r>
+                  <a:rPr lang="en-US" sz="747" dirty="0">
+                    <a:latin typeface="Calibri"/>
+                    <a:ea typeface="Calibri"/>
+                    <a:cs typeface="Calibri"/>
+                    <a:sym typeface="Calibri"/>
+                  </a:rPr>
+                  <a:t>3M+S</a:t>
+                </a:r>
+                <a:endParaRPr sz="747" dirty="0"/>
+              </a:p>
+            </p:txBody>
+          </p:sp>
+          <p:cxnSp>
+            <p:nvCxnSpPr>
+              <p:cNvPr id="146" name="Google Shape;146;g5b0f7406fe_0_0"/>
+              <p:cNvCxnSpPr>
+                <a:cxnSpLocks/>
+                <a:stCxn id="145" idx="1"/>
+                <a:endCxn id="144" idx="3"/>
+              </p:cNvCxnSpPr>
+              <p:nvPr/>
+            </p:nvCxnSpPr>
+            <p:spPr>
+              <a:xfrm flipH="1">
+                <a:off x="5831030" y="2569345"/>
+                <a:ext cx="1081076" cy="0"/>
+              </a:xfrm>
+              <a:prstGeom prst="straightConnector1">
+                <a:avLst/>
+              </a:prstGeom>
+              <a:noFill/>
+              <a:ln w="28575" cap="flat" cmpd="sng">
+                <a:solidFill>
+                  <a:srgbClr val="000000"/>
+                </a:solidFill>
+                <a:prstDash val="solid"/>
+                <a:round/>
+                <a:headEnd type="none" w="sm" len="sm"/>
+                <a:tailEnd type="none" w="sm" len="sm"/>
+              </a:ln>
+            </p:spPr>
+          </p:cxnSp>
+        </p:grpSp>
+        <p:sp>
+          <p:nvSpPr>
+            <p:cNvPr id="148" name="Google Shape;148;g5b0f7406fe_0_0"/>
+            <p:cNvSpPr/>
+            <p:nvPr/>
+          </p:nvSpPr>
+          <p:spPr>
+            <a:xfrm>
+              <a:off x="622877" y="4040832"/>
+              <a:ext cx="857182" cy="198141"/>
+            </a:xfrm>
+            <a:prstGeom prst="roundRect">
+              <a:avLst>
+                <a:gd name="adj" fmla="val 16667"/>
+              </a:avLst>
+            </a:prstGeom>
+            <a:solidFill>
+              <a:srgbClr val="E5DFEC"/>
+            </a:solidFill>
+            <a:ln w="25400" cap="flat" cmpd="sng">
+              <a:solidFill>
+                <a:srgbClr val="000000"/>
+              </a:solidFill>
+              <a:prstDash val="solid"/>
+              <a:round/>
+              <a:headEnd type="none" w="sm" len="sm"/>
+              <a:tailEnd type="none" w="sm" len="sm"/>
+            </a:ln>
+          </p:spPr>
+          <p:txBody>
+            <a:bodyPr spcFirstLastPara="1" wrap="square" lIns="48760" tIns="24373" rIns="48760" bIns="24373" anchor="ctr" anchorCtr="0">
+              <a:noAutofit/>
+            </a:bodyPr>
+            <a:lstStyle/>
+            <a:p>
+              <a:pPr algn="ctr">
+                <a:buSzPts val="1400"/>
+              </a:pPr>
+              <a:r>
+                <a:rPr lang="en-US" sz="747">
+                  <a:solidFill>
+                    <a:srgbClr val="222222"/>
+                  </a:solidFill>
+                </a:rPr>
+                <a:t>10/100/1000</a:t>
+              </a:r>
+              <a:endParaRPr sz="747">
+                <a:solidFill>
+                  <a:srgbClr val="222222"/>
+                </a:solidFill>
+              </a:endParaRPr>
+            </a:p>
+          </p:txBody>
+        </p:sp>
+        <p:cxnSp>
+          <p:nvCxnSpPr>
+            <p:cNvPr id="149" name="Google Shape;149;g5b0f7406fe_0_0"/>
+            <p:cNvCxnSpPr>
+              <a:cxnSpLocks/>
+              <a:stCxn id="136" idx="1"/>
+              <a:endCxn id="148" idx="3"/>
+            </p:cNvCxnSpPr>
+            <p:nvPr/>
+          </p:nvCxnSpPr>
+          <p:spPr>
+            <a:xfrm flipH="1" flipV="1">
+              <a:off x="1480059" y="4139903"/>
+              <a:ext cx="668689" cy="448"/>
+            </a:xfrm>
+            <a:prstGeom prst="straightConnector1">
+              <a:avLst/>
+            </a:prstGeom>
+            <a:noFill/>
+            <a:ln w="28575" cap="flat" cmpd="sng">
+              <a:solidFill>
+                <a:srgbClr val="000000"/>
+              </a:solidFill>
+              <a:prstDash val="solid"/>
+              <a:round/>
+              <a:headEnd type="none" w="sm" len="sm"/>
+              <a:tailEnd type="none" w="sm" len="sm"/>
+            </a:ln>
+          </p:spPr>
+        </p:cxnSp>
+        <p:cxnSp>
+          <p:nvCxnSpPr>
+            <p:cNvPr id="150" name="Google Shape;150;g5b0f7406fe_0_0"/>
+            <p:cNvCxnSpPr>
+              <a:cxnSpLocks/>
+              <a:stCxn id="136" idx="0"/>
+              <a:endCxn id="142" idx="2"/>
+            </p:cNvCxnSpPr>
+            <p:nvPr/>
+          </p:nvCxnSpPr>
+          <p:spPr>
+            <a:xfrm flipV="1">
+              <a:off x="2523732" y="3789059"/>
+              <a:ext cx="0" cy="175472"/>
+            </a:xfrm>
+            <a:prstGeom prst="straightConnector1">
+              <a:avLst/>
+            </a:prstGeom>
+            <a:noFill/>
+            <a:ln w="28575" cap="flat" cmpd="sng">
+              <a:solidFill>
+                <a:srgbClr val="000000"/>
+              </a:solidFill>
+              <a:prstDash val="solid"/>
+              <a:round/>
+              <a:headEnd type="none" w="sm" len="sm"/>
+              <a:tailEnd type="none" w="sm" len="sm"/>
+            </a:ln>
+          </p:spPr>
+        </p:cxnSp>
+        <p:sp>
+          <p:nvSpPr>
+            <p:cNvPr id="151" name="Google Shape;151;g5b0f7406fe_0_0"/>
+            <p:cNvSpPr/>
+            <p:nvPr/>
+          </p:nvSpPr>
+          <p:spPr>
+            <a:xfrm>
+              <a:off x="4724376" y="3156242"/>
+              <a:ext cx="749968" cy="495109"/>
+            </a:xfrm>
+            <a:prstGeom prst="rect">
+              <a:avLst/>
+            </a:prstGeom>
+            <a:solidFill>
+              <a:srgbClr val="E5DFEC"/>
+            </a:solidFill>
+            <a:ln w="25400" cap="flat" cmpd="sng">
+              <a:solidFill>
+                <a:srgbClr val="000000"/>
+              </a:solidFill>
+              <a:prstDash val="solid"/>
+              <a:round/>
+              <a:headEnd type="none" w="sm" len="sm"/>
+              <a:tailEnd type="none" w="sm" len="sm"/>
+            </a:ln>
+          </p:spPr>
+          <p:txBody>
+            <a:bodyPr spcFirstLastPara="1" wrap="square" lIns="48760" tIns="24373" rIns="48760" bIns="24373" anchor="ctr" anchorCtr="0">
+              <a:noAutofit/>
+            </a:bodyPr>
+            <a:lstStyle/>
+            <a:p>
+              <a:pPr algn="ctr">
+                <a:buClr>
+                  <a:srgbClr val="222222"/>
+                </a:buClr>
+                <a:buSzPts val="1400"/>
+              </a:pPr>
+              <a:r>
+                <a:rPr lang="en-US" sz="747" dirty="0">
+                  <a:solidFill>
+                    <a:srgbClr val="222222"/>
+                  </a:solidFill>
+                </a:rPr>
+                <a:t>Flash Ctrl</a:t>
+              </a:r>
+              <a:endParaRPr sz="747" dirty="0">
+                <a:latin typeface="Calibri"/>
+                <a:ea typeface="Calibri"/>
+                <a:cs typeface="Calibri"/>
+                <a:sym typeface="Calibri"/>
+              </a:endParaRPr>
+            </a:p>
+          </p:txBody>
+        </p:sp>
+        <p:grpSp>
+          <p:nvGrpSpPr>
+            <p:cNvPr id="152" name="Google Shape;152;g5b0f7406fe_0_0"/>
+            <p:cNvGrpSpPr/>
+            <p:nvPr/>
+          </p:nvGrpSpPr>
+          <p:grpSpPr>
+            <a:xfrm>
+              <a:off x="4070963" y="3205786"/>
+              <a:ext cx="857111" cy="198141"/>
+              <a:chOff x="5465263" y="2538894"/>
+              <a:chExt cx="1462980" cy="365700"/>
+            </a:xfrm>
+          </p:grpSpPr>
+          <p:sp>
+            <p:nvSpPr>
+              <p:cNvPr id="153" name="Google Shape;153;g5b0f7406fe_0_0"/>
+              <p:cNvSpPr/>
+              <p:nvPr/>
+            </p:nvSpPr>
+            <p:spPr>
+              <a:xfrm>
+                <a:off x="5465263" y="2538894"/>
+                <a:ext cx="365700" cy="365700"/>
+              </a:xfrm>
+              <a:prstGeom prst="rect">
+                <a:avLst/>
+              </a:prstGeom>
+              <a:noFill/>
+              <a:ln>
+                <a:noFill/>
+              </a:ln>
+            </p:spPr>
+            <p:txBody>
+              <a:bodyPr spcFirstLastPara="1" wrap="square" lIns="48760" tIns="24373" rIns="48760" bIns="24373" anchor="ctr" anchorCtr="0">
+                <a:noAutofit/>
+              </a:bodyPr>
+              <a:lstStyle/>
+              <a:p>
+                <a:pPr algn="ctr">
+                  <a:buSzPts val="1400"/>
+                </a:pPr>
+                <a:r>
+                  <a:rPr lang="en-US" sz="747">
+                    <a:latin typeface="Calibri"/>
+                    <a:ea typeface="Calibri"/>
+                    <a:cs typeface="Calibri"/>
+                    <a:sym typeface="Calibri"/>
+                  </a:rPr>
+                  <a:t>M</a:t>
+                </a:r>
+                <a:endParaRPr sz="853">
+                  <a:latin typeface="Calibri"/>
+                  <a:ea typeface="Calibri"/>
+                  <a:cs typeface="Calibri"/>
+                  <a:sym typeface="Calibri"/>
+                </a:endParaRPr>
+              </a:p>
+            </p:txBody>
+          </p:sp>
+          <p:sp>
+            <p:nvSpPr>
+              <p:cNvPr id="154" name="Google Shape;154;g5b0f7406fe_0_0"/>
+              <p:cNvSpPr/>
+              <p:nvPr/>
+            </p:nvSpPr>
+            <p:spPr>
+              <a:xfrm>
+                <a:off x="6562543" y="2538894"/>
+                <a:ext cx="365700" cy="365700"/>
+              </a:xfrm>
+              <a:prstGeom prst="rect">
+                <a:avLst/>
+              </a:prstGeom>
+              <a:noFill/>
+              <a:ln>
+                <a:noFill/>
+              </a:ln>
+            </p:spPr>
+            <p:txBody>
+              <a:bodyPr spcFirstLastPara="1" wrap="square" lIns="48760" tIns="24373" rIns="48760" bIns="24373" anchor="ctr" anchorCtr="0">
+                <a:noAutofit/>
+              </a:bodyPr>
+              <a:lstStyle/>
+              <a:p>
+                <a:pPr algn="ctr">
+                  <a:buSzPts val="1400"/>
+                </a:pPr>
+                <a:r>
+                  <a:rPr lang="en-US" sz="747" dirty="0">
+                    <a:latin typeface="Calibri"/>
+                    <a:ea typeface="Calibri"/>
+                    <a:cs typeface="Calibri"/>
+                    <a:sym typeface="Calibri"/>
+                  </a:rPr>
+                  <a:t>S</a:t>
+                </a:r>
+                <a:endParaRPr sz="747" dirty="0"/>
+              </a:p>
+            </p:txBody>
+          </p:sp>
+          <p:cxnSp>
+            <p:nvCxnSpPr>
+              <p:cNvPr id="155" name="Google Shape;155;g5b0f7406fe_0_0"/>
+              <p:cNvCxnSpPr>
+                <a:stCxn id="154" idx="1"/>
+                <a:endCxn id="153" idx="3"/>
+              </p:cNvCxnSpPr>
+              <p:nvPr/>
+            </p:nvCxnSpPr>
+            <p:spPr>
+              <a:xfrm rot="10800000">
+                <a:off x="5830843" y="2721744"/>
+                <a:ext cx="731700" cy="0"/>
+              </a:xfrm>
+              <a:prstGeom prst="straightConnector1">
+                <a:avLst/>
+              </a:prstGeom>
+              <a:noFill/>
+              <a:ln w="28575" cap="flat" cmpd="sng">
+                <a:solidFill>
+                  <a:srgbClr val="000000"/>
+                </a:solidFill>
+                <a:prstDash val="solid"/>
+                <a:round/>
+                <a:headEnd type="none" w="sm" len="sm"/>
+                <a:tailEnd type="none" w="sm" len="sm"/>
+              </a:ln>
+            </p:spPr>
+          </p:cxnSp>
+        </p:grpSp>
+        <p:sp>
+          <p:nvSpPr>
+            <p:cNvPr id="156" name="Google Shape;156;g5b0f7406fe_0_0"/>
+            <p:cNvSpPr txBox="1"/>
+            <p:nvPr/>
+          </p:nvSpPr>
+          <p:spPr>
+            <a:xfrm>
+              <a:off x="4285250" y="3161692"/>
+              <a:ext cx="442036" cy="139932"/>
+            </a:xfrm>
+            <a:prstGeom prst="rect">
+              <a:avLst/>
+            </a:prstGeom>
+            <a:noFill/>
+            <a:ln>
+              <a:noFill/>
+            </a:ln>
+          </p:spPr>
+          <p:txBody>
+            <a:bodyPr spcFirstLastPara="1" wrap="square" lIns="48760" tIns="24373" rIns="48760" bIns="24373" anchor="t" anchorCtr="0">
+              <a:noAutofit/>
+            </a:bodyPr>
+            <a:lstStyle/>
+            <a:p>
+              <a:pPr algn="ctr">
+                <a:buSzPts val="1200"/>
+              </a:pPr>
+              <a:r>
+                <a:rPr lang="en-US" sz="640" dirty="0">
+                  <a:latin typeface="Calibri"/>
+                  <a:ea typeface="Calibri"/>
+                  <a:cs typeface="Calibri"/>
+                  <a:sym typeface="Calibri"/>
+                </a:rPr>
+                <a:t>AXI4 32b </a:t>
+              </a:r>
+              <a:endParaRPr sz="747" dirty="0"/>
+            </a:p>
+          </p:txBody>
+        </p:sp>
+        <p:sp>
+          <p:nvSpPr>
+            <p:cNvPr id="157" name="Google Shape;157;g5b0f7406fe_0_0"/>
+            <p:cNvSpPr/>
+            <p:nvPr/>
+          </p:nvSpPr>
+          <p:spPr>
+            <a:xfrm>
+              <a:off x="5860620" y="3156242"/>
+              <a:ext cx="475607" cy="495109"/>
+            </a:xfrm>
+            <a:prstGeom prst="roundRect">
+              <a:avLst>
+                <a:gd name="adj" fmla="val 5667"/>
+              </a:avLst>
+            </a:prstGeom>
+            <a:solidFill>
+              <a:srgbClr val="E5DFEC"/>
+            </a:solidFill>
+            <a:ln w="25400" cap="flat" cmpd="sng">
+              <a:solidFill>
+                <a:srgbClr val="000000"/>
+              </a:solidFill>
+              <a:prstDash val="solid"/>
+              <a:round/>
+              <a:headEnd type="none" w="sm" len="sm"/>
+              <a:tailEnd type="none" w="sm" len="sm"/>
+            </a:ln>
+          </p:spPr>
+          <p:txBody>
+            <a:bodyPr spcFirstLastPara="1" wrap="square" lIns="0" tIns="24373" rIns="0" bIns="24373" anchor="ctr" anchorCtr="0">
+              <a:noAutofit/>
+            </a:bodyPr>
+            <a:lstStyle/>
+            <a:p>
+              <a:pPr algn="ctr">
+                <a:buSzPts val="1400"/>
+              </a:pPr>
+              <a:r>
+                <a:rPr lang="en-US" sz="747">
+                  <a:solidFill>
+                    <a:srgbClr val="222222"/>
+                  </a:solidFill>
+                </a:rPr>
+                <a:t>128 MB</a:t>
+              </a:r>
+              <a:endParaRPr sz="747"/>
+            </a:p>
+            <a:p>
+              <a:pPr algn="ctr">
+                <a:buSzPts val="1400"/>
+              </a:pPr>
+              <a:r>
+                <a:rPr lang="en-US" sz="747">
+                  <a:solidFill>
+                    <a:srgbClr val="222222"/>
+                  </a:solidFill>
+                </a:rPr>
+                <a:t>Flash</a:t>
+              </a:r>
+              <a:endParaRPr sz="747">
+                <a:solidFill>
+                  <a:srgbClr val="222222"/>
+                </a:solidFill>
+              </a:endParaRPr>
+            </a:p>
+          </p:txBody>
+        </p:sp>
+        <p:cxnSp>
+          <p:nvCxnSpPr>
+            <p:cNvPr id="158" name="Google Shape;158;g5b0f7406fe_0_0"/>
+            <p:cNvCxnSpPr>
+              <a:cxnSpLocks/>
+              <a:stCxn id="151" idx="3"/>
+              <a:endCxn id="157" idx="1"/>
+            </p:cNvCxnSpPr>
+            <p:nvPr/>
+          </p:nvCxnSpPr>
+          <p:spPr>
+            <a:xfrm>
+              <a:off x="5474344" y="3403797"/>
+              <a:ext cx="386276" cy="0"/>
+            </a:xfrm>
+            <a:prstGeom prst="straightConnector1">
+              <a:avLst/>
+            </a:prstGeom>
+            <a:noFill/>
+            <a:ln w="28575" cap="flat" cmpd="sng">
+              <a:solidFill>
+                <a:srgbClr val="000000"/>
+              </a:solidFill>
+              <a:prstDash val="solid"/>
+              <a:round/>
+              <a:headEnd type="none" w="sm" len="sm"/>
+              <a:tailEnd type="none" w="sm" len="sm"/>
+            </a:ln>
+          </p:spPr>
+        </p:cxnSp>
+        <p:grpSp>
+          <p:nvGrpSpPr>
+            <p:cNvPr id="6" name="Group 5">
+              <a:extLst>
+                <a:ext uri="{FF2B5EF4-FFF2-40B4-BE49-F238E27FC236}">
+                  <a16:creationId xmlns:a16="http://schemas.microsoft.com/office/drawing/2014/main" id="{4B4BEB0B-6EBA-4D1A-AC37-2B5A8AF94555}"/>
+                </a:ext>
+              </a:extLst>
+            </p:cNvPr>
+            <p:cNvGrpSpPr/>
+            <p:nvPr/>
+          </p:nvGrpSpPr>
+          <p:grpSpPr>
+            <a:xfrm flipH="1">
+              <a:off x="2142982" y="2985068"/>
+              <a:ext cx="1737090" cy="297293"/>
+              <a:chOff x="7965429" y="3815198"/>
+              <a:chExt cx="1737090" cy="297293"/>
+            </a:xfrm>
+          </p:grpSpPr>
+          <p:sp>
+            <p:nvSpPr>
+              <p:cNvPr id="159" name="Google Shape;159;g5b0f7406fe_0_0"/>
+              <p:cNvSpPr/>
+              <p:nvPr/>
+            </p:nvSpPr>
+            <p:spPr>
+              <a:xfrm>
+                <a:off x="8737600" y="3815198"/>
+                <a:ext cx="964919" cy="297293"/>
+              </a:xfrm>
+              <a:prstGeom prst="rect">
+                <a:avLst/>
+              </a:prstGeom>
+              <a:solidFill>
+                <a:srgbClr val="E5DFEC"/>
+              </a:solidFill>
+              <a:ln w="25400" cap="flat" cmpd="sng">
+                <a:solidFill>
+                  <a:srgbClr val="000000"/>
+                </a:solidFill>
+                <a:prstDash val="solid"/>
+                <a:round/>
+                <a:headEnd type="none" w="sm" len="sm"/>
+                <a:tailEnd type="none" w="sm" len="sm"/>
+              </a:ln>
+            </p:spPr>
+            <p:txBody>
+              <a:bodyPr spcFirstLastPara="1" wrap="square" lIns="48760" tIns="24373" rIns="48760" bIns="24373" anchor="ctr" anchorCtr="0">
+                <a:noAutofit/>
+              </a:bodyPr>
+              <a:lstStyle/>
+              <a:p>
+                <a:pPr>
+                  <a:buClr>
+                    <a:srgbClr val="222222"/>
+                  </a:buClr>
+                  <a:buSzPts val="1400"/>
+                </a:pPr>
+                <a:r>
+                  <a:rPr lang="en-US" sz="747" dirty="0">
+                    <a:solidFill>
+                      <a:srgbClr val="222222"/>
+                    </a:solidFill>
+                  </a:rPr>
+                  <a:t>     PCIe </a:t>
+                </a:r>
+              </a:p>
+              <a:p>
+                <a:pPr>
+                  <a:buClr>
+                    <a:srgbClr val="222222"/>
+                  </a:buClr>
+                  <a:buSzPts val="1400"/>
+                </a:pPr>
+                <a:r>
+                  <a:rPr lang="en-US" sz="747" dirty="0">
+                    <a:solidFill>
+                      <a:srgbClr val="222222"/>
+                    </a:solidFill>
+                  </a:rPr>
+                  <a:t>root complex</a:t>
+                </a:r>
+                <a:endParaRPr sz="747" dirty="0">
+                  <a:solidFill>
+                    <a:srgbClr val="222222"/>
+                  </a:solidFill>
+                </a:endParaRPr>
+              </a:p>
+            </p:txBody>
+          </p:sp>
+          <p:grpSp>
+            <p:nvGrpSpPr>
+              <p:cNvPr id="160" name="Google Shape;160;g5b0f7406fe_0_0"/>
+              <p:cNvGrpSpPr/>
+              <p:nvPr/>
+            </p:nvGrpSpPr>
+            <p:grpSpPr>
+              <a:xfrm>
+                <a:off x="7965429" y="3864742"/>
+                <a:ext cx="1088030" cy="198141"/>
+                <a:chOff x="5262560" y="2386494"/>
+                <a:chExt cx="1857129" cy="365700"/>
+              </a:xfrm>
+            </p:grpSpPr>
+            <p:sp>
+              <p:nvSpPr>
+                <p:cNvPr id="161" name="Google Shape;161;g5b0f7406fe_0_0"/>
+                <p:cNvSpPr/>
+                <p:nvPr/>
+              </p:nvSpPr>
+              <p:spPr>
+                <a:xfrm>
+                  <a:off x="5262560" y="2386494"/>
+                  <a:ext cx="592794" cy="365700"/>
+                </a:xfrm>
+                <a:prstGeom prst="rect">
+                  <a:avLst/>
+                </a:prstGeom>
+                <a:noFill/>
+                <a:ln>
+                  <a:noFill/>
+                </a:ln>
+              </p:spPr>
+              <p:txBody>
+                <a:bodyPr spcFirstLastPara="1" wrap="square" lIns="48760" tIns="24373" rIns="48760" bIns="24373" anchor="ctr" anchorCtr="0">
+                  <a:noAutofit/>
+                </a:bodyPr>
+                <a:lstStyle/>
+                <a:p>
+                  <a:pPr algn="ctr">
+                    <a:buSzPts val="1400"/>
+                  </a:pPr>
+                  <a:r>
+                    <a:rPr lang="en-US" sz="747" dirty="0">
+                      <a:latin typeface="Calibri"/>
+                      <a:ea typeface="Calibri"/>
+                      <a:cs typeface="Calibri"/>
+                      <a:sym typeface="Calibri"/>
+                    </a:rPr>
+                    <a:t>S+2M</a:t>
+                  </a:r>
+                  <a:endParaRPr sz="853" dirty="0">
+                    <a:latin typeface="Calibri"/>
+                    <a:ea typeface="Calibri"/>
+                    <a:cs typeface="Calibri"/>
+                    <a:sym typeface="Calibri"/>
+                  </a:endParaRPr>
+                </a:p>
+              </p:txBody>
+            </p:sp>
+            <p:sp>
+              <p:nvSpPr>
+                <p:cNvPr id="162" name="Google Shape;162;g5b0f7406fe_0_0"/>
+                <p:cNvSpPr/>
+                <p:nvPr/>
+              </p:nvSpPr>
+              <p:spPr>
+                <a:xfrm>
+                  <a:off x="6562547" y="2386494"/>
+                  <a:ext cx="557142" cy="365700"/>
+                </a:xfrm>
+                <a:prstGeom prst="rect">
+                  <a:avLst/>
+                </a:prstGeom>
+                <a:noFill/>
+                <a:ln>
+                  <a:noFill/>
+                </a:ln>
+              </p:spPr>
+              <p:txBody>
+                <a:bodyPr spcFirstLastPara="1" wrap="square" lIns="48760" tIns="24373" rIns="48760" bIns="24373" anchor="ctr" anchorCtr="0">
+                  <a:noAutofit/>
+                </a:bodyPr>
+                <a:lstStyle/>
+                <a:p>
+                  <a:pPr>
+                    <a:buSzPts val="1400"/>
+                  </a:pPr>
+                  <a:r>
+                    <a:rPr lang="en-US" sz="750" dirty="0">
+                      <a:latin typeface="Calibri"/>
+                      <a:ea typeface="Calibri"/>
+                      <a:cs typeface="Calibri"/>
+                      <a:sym typeface="Calibri"/>
+                    </a:rPr>
+                    <a:t>M+2S</a:t>
+                  </a:r>
+                  <a:endParaRPr sz="750" dirty="0"/>
+                </a:p>
+              </p:txBody>
+            </p:sp>
+            <p:cxnSp>
+              <p:nvCxnSpPr>
+                <p:cNvPr id="163" name="Google Shape;163;g5b0f7406fe_0_0"/>
+                <p:cNvCxnSpPr>
+                  <a:cxnSpLocks/>
+                  <a:stCxn id="162" idx="1"/>
+                  <a:endCxn id="161" idx="3"/>
+                </p:cNvCxnSpPr>
+                <p:nvPr/>
+              </p:nvCxnSpPr>
+              <p:spPr>
+                <a:xfrm flipH="1">
+                  <a:off x="5855354" y="2569345"/>
+                  <a:ext cx="707193" cy="0"/>
+                </a:xfrm>
+                <a:prstGeom prst="straightConnector1">
+                  <a:avLst/>
+                </a:prstGeom>
+                <a:noFill/>
+                <a:ln w="28575" cap="flat" cmpd="sng">
+                  <a:solidFill>
+                    <a:srgbClr val="000000"/>
+                  </a:solidFill>
+                  <a:prstDash val="solid"/>
+                  <a:round/>
+                  <a:headEnd type="none" w="sm" len="sm"/>
+                  <a:tailEnd type="none" w="sm" len="sm"/>
+                </a:ln>
+              </p:spPr>
+            </p:cxnSp>
+          </p:grpSp>
+          <p:sp>
+            <p:nvSpPr>
+              <p:cNvPr id="164" name="Google Shape;164;g5b0f7406fe_0_0"/>
+              <p:cNvSpPr txBox="1"/>
+              <p:nvPr/>
+            </p:nvSpPr>
+            <p:spPr>
+              <a:xfrm>
+                <a:off x="8298474" y="3830987"/>
+                <a:ext cx="442036" cy="270961"/>
+              </a:xfrm>
+              <a:prstGeom prst="rect">
+                <a:avLst/>
+              </a:prstGeom>
+              <a:noFill/>
+              <a:ln>
+                <a:noFill/>
+              </a:ln>
+            </p:spPr>
+            <p:txBody>
+              <a:bodyPr spcFirstLastPara="1" wrap="square" lIns="48760" tIns="24373" rIns="48760" bIns="24373" anchor="t" anchorCtr="0">
+                <a:noAutofit/>
+              </a:bodyPr>
+              <a:lstStyle/>
+              <a:p>
+                <a:pPr algn="ctr">
+                  <a:buSzPts val="1200"/>
+                </a:pPr>
+                <a:r>
+                  <a:rPr lang="en-US" sz="640" dirty="0">
+                    <a:latin typeface="Calibri"/>
+                    <a:ea typeface="Calibri"/>
+                    <a:cs typeface="Calibri"/>
+                    <a:sym typeface="Calibri"/>
+                  </a:rPr>
+                  <a:t>AXI4</a:t>
+                </a:r>
+                <a:endParaRPr sz="747" dirty="0"/>
+              </a:p>
+              <a:p>
+                <a:pPr algn="ctr">
+                  <a:spcBef>
+                    <a:spcPts val="160"/>
+                  </a:spcBef>
+                  <a:buSzPts val="1200"/>
+                </a:pPr>
+                <a:r>
+                  <a:rPr lang="en-US" sz="640" dirty="0">
+                    <a:latin typeface="Calibri"/>
+                    <a:ea typeface="Calibri"/>
+                    <a:cs typeface="Calibri"/>
+                    <a:sym typeface="Calibri"/>
+                  </a:rPr>
+                  <a:t> </a:t>
+                </a:r>
+                <a:endParaRPr sz="747" dirty="0"/>
+              </a:p>
+            </p:txBody>
+          </p:sp>
+        </p:grpSp>
+        <p:sp>
+          <p:nvSpPr>
+            <p:cNvPr id="178" name="Google Shape;178;g5b0f7406fe_0_0"/>
+            <p:cNvSpPr txBox="1"/>
+            <p:nvPr/>
+          </p:nvSpPr>
+          <p:spPr>
+            <a:xfrm>
+              <a:off x="4280249" y="4385011"/>
+              <a:ext cx="441760" cy="146114"/>
+            </a:xfrm>
+            <a:prstGeom prst="rect">
+              <a:avLst/>
+            </a:prstGeom>
+            <a:noFill/>
+            <a:ln>
+              <a:noFill/>
+            </a:ln>
+          </p:spPr>
+          <p:txBody>
+            <a:bodyPr spcFirstLastPara="1" wrap="square" lIns="48760" tIns="24373" rIns="48760" bIns="24373" anchor="t" anchorCtr="0">
+              <a:noAutofit/>
+            </a:bodyPr>
+            <a:lstStyle/>
+            <a:p>
+              <a:pPr algn="ctr">
+                <a:buSzPts val="1200"/>
+              </a:pPr>
+              <a:r>
+                <a:rPr lang="en-US" sz="640" dirty="0">
+                  <a:latin typeface="Calibri"/>
+                  <a:ea typeface="Calibri"/>
+                  <a:cs typeface="Calibri"/>
+                  <a:sym typeface="Calibri"/>
+                </a:rPr>
+                <a:t>AXI4 32b </a:t>
+              </a:r>
+              <a:endParaRPr sz="747" dirty="0"/>
+            </a:p>
+          </p:txBody>
+        </p:sp>
+        <p:cxnSp>
+          <p:nvCxnSpPr>
+            <p:cNvPr id="179" name="Google Shape;179;g5b0f7406fe_0_0"/>
+            <p:cNvCxnSpPr/>
+            <p:nvPr/>
+          </p:nvCxnSpPr>
+          <p:spPr>
+            <a:xfrm rot="10800000">
+              <a:off x="4286802" y="4533795"/>
+              <a:ext cx="428800" cy="0"/>
+            </a:xfrm>
+            <a:prstGeom prst="straightConnector1">
+              <a:avLst/>
+            </a:prstGeom>
+            <a:noFill/>
+            <a:ln w="28575" cap="flat" cmpd="sng">
+              <a:solidFill>
+                <a:srgbClr val="000000"/>
+              </a:solidFill>
+              <a:prstDash val="solid"/>
+              <a:round/>
+              <a:headEnd type="none" w="sm" len="sm"/>
+              <a:tailEnd type="none" w="sm" len="sm"/>
+            </a:ln>
+          </p:spPr>
+        </p:cxnSp>
+        <p:sp>
+          <p:nvSpPr>
+            <p:cNvPr id="183" name="Google Shape;183;g5b0f7406fe_0_0"/>
+            <p:cNvSpPr/>
+            <p:nvPr/>
+          </p:nvSpPr>
+          <p:spPr>
+            <a:xfrm>
+              <a:off x="4066000" y="4024805"/>
+              <a:ext cx="214240" cy="195040"/>
+            </a:xfrm>
+            <a:prstGeom prst="rect">
+              <a:avLst/>
+            </a:prstGeom>
+            <a:noFill/>
+            <a:ln>
+              <a:noFill/>
+            </a:ln>
+          </p:spPr>
+          <p:txBody>
+            <a:bodyPr spcFirstLastPara="1" wrap="square" lIns="48760" tIns="24373" rIns="48760" bIns="24373" anchor="ctr" anchorCtr="0">
+              <a:noAutofit/>
+            </a:bodyPr>
+            <a:lstStyle/>
+            <a:p>
+              <a:pPr algn="ctr">
+                <a:buSzPts val="1400"/>
+              </a:pPr>
+              <a:r>
+                <a:rPr lang="en-US" sz="747">
+                  <a:latin typeface="Calibri"/>
+                  <a:ea typeface="Calibri"/>
+                  <a:cs typeface="Calibri"/>
+                  <a:sym typeface="Calibri"/>
+                </a:rPr>
+                <a:t>M</a:t>
+              </a:r>
+              <a:endParaRPr sz="853">
+                <a:latin typeface="Calibri"/>
+                <a:ea typeface="Calibri"/>
+                <a:cs typeface="Calibri"/>
+                <a:sym typeface="Calibri"/>
+              </a:endParaRPr>
+            </a:p>
+          </p:txBody>
+        </p:sp>
+        <p:cxnSp>
+          <p:nvCxnSpPr>
+            <p:cNvPr id="204" name="Google Shape;204;g5b0f7406fe_0_0"/>
+            <p:cNvCxnSpPr/>
+            <p:nvPr/>
+          </p:nvCxnSpPr>
+          <p:spPr>
+            <a:xfrm rot="10800000">
+              <a:off x="2733286" y="2193690"/>
+              <a:ext cx="0" cy="201920"/>
+            </a:xfrm>
+            <a:prstGeom prst="straightConnector1">
+              <a:avLst/>
+            </a:prstGeom>
+            <a:noFill/>
+            <a:ln w="28575" cap="flat" cmpd="sng">
+              <a:solidFill>
+                <a:schemeClr val="dk1"/>
+              </a:solidFill>
+              <a:prstDash val="solid"/>
+              <a:round/>
+              <a:headEnd type="none" w="sm" len="sm"/>
+              <a:tailEnd type="triangle" w="med" len="med"/>
+            </a:ln>
+          </p:spPr>
+        </p:cxnSp>
+        <p:sp>
+          <p:nvSpPr>
+            <p:cNvPr id="206" name="Google Shape;99;g5b0f7406fe_0_0">
+              <a:extLst>
+                <a:ext uri="{FF2B5EF4-FFF2-40B4-BE49-F238E27FC236}">
+                  <a16:creationId xmlns:a16="http://schemas.microsoft.com/office/drawing/2014/main" id="{503308A1-DA7F-45D5-9160-315984E9AD46}"/>
+                </a:ext>
+              </a:extLst>
+            </p:cNvPr>
+            <p:cNvSpPr/>
+            <p:nvPr/>
+          </p:nvSpPr>
+          <p:spPr>
+            <a:xfrm>
+              <a:off x="3529637" y="3883031"/>
+              <a:ext cx="749968" cy="793790"/>
+            </a:xfrm>
+            <a:prstGeom prst="rect">
+              <a:avLst/>
+            </a:prstGeom>
+            <a:solidFill>
+              <a:srgbClr val="E5DFEC"/>
+            </a:solidFill>
+            <a:ln w="25400" cap="flat" cmpd="sng">
+              <a:solidFill>
+                <a:srgbClr val="000000"/>
+              </a:solidFill>
+              <a:prstDash val="solid"/>
+              <a:round/>
+              <a:headEnd type="none" w="sm" len="sm"/>
+              <a:tailEnd type="none" w="sm" len="sm"/>
+            </a:ln>
+          </p:spPr>
+          <p:txBody>
+            <a:bodyPr spcFirstLastPara="1" wrap="square" lIns="48760" tIns="24373" rIns="48760" bIns="24373" anchor="t" anchorCtr="0">
+              <a:noAutofit/>
+            </a:bodyPr>
+            <a:lstStyle/>
+            <a:p>
+              <a:pPr algn="ctr">
+                <a:buClr>
+                  <a:srgbClr val="222222"/>
+                </a:buClr>
+                <a:buSzPts val="1400"/>
+              </a:pPr>
+              <a:endParaRPr lang="en-US" sz="747" dirty="0">
+                <a:solidFill>
+                  <a:srgbClr val="222222"/>
+                </a:solidFill>
+              </a:endParaRPr>
+            </a:p>
+            <a:p>
+              <a:pPr algn="ctr">
+                <a:buClr>
+                  <a:srgbClr val="222222"/>
+                </a:buClr>
+                <a:buSzPts val="1400"/>
+              </a:pPr>
+              <a:endParaRPr lang="en-US" sz="747" dirty="0">
+                <a:solidFill>
+                  <a:srgbClr val="222222"/>
+                </a:solidFill>
+              </a:endParaRPr>
+            </a:p>
+            <a:p>
+              <a:pPr algn="ctr">
+                <a:buClr>
+                  <a:srgbClr val="222222"/>
+                </a:buClr>
+                <a:buSzPts val="1400"/>
+              </a:pPr>
+              <a:r>
+                <a:rPr lang="en-US" sz="747" dirty="0">
+                  <a:solidFill>
+                    <a:srgbClr val="222222"/>
+                  </a:solidFill>
+                </a:rPr>
+                <a:t>AXI4</a:t>
+              </a:r>
+              <a:endParaRPr sz="747" dirty="0"/>
+            </a:p>
+            <a:p>
+              <a:pPr algn="ctr">
+                <a:buClr>
+                  <a:srgbClr val="222222"/>
+                </a:buClr>
+                <a:buSzPts val="1400"/>
+              </a:pPr>
+              <a:r>
+                <a:rPr lang="en-US" sz="747" dirty="0">
+                  <a:solidFill>
+                    <a:srgbClr val="222222"/>
+                  </a:solidFill>
+                </a:rPr>
+                <a:t>fabric</a:t>
+              </a:r>
+              <a:endParaRPr sz="747" dirty="0">
+                <a:latin typeface="Calibri"/>
+                <a:ea typeface="Calibri"/>
+                <a:cs typeface="Calibri"/>
+                <a:sym typeface="Calibri"/>
+              </a:endParaRPr>
+            </a:p>
+          </p:txBody>
+        </p:sp>
+        <p:sp>
+          <p:nvSpPr>
+            <p:cNvPr id="207" name="Google Shape;104;g5b0f7406fe_0_0">
+              <a:extLst>
+                <a:ext uri="{FF2B5EF4-FFF2-40B4-BE49-F238E27FC236}">
+                  <a16:creationId xmlns:a16="http://schemas.microsoft.com/office/drawing/2014/main" id="{950F5B1A-DC0D-4FC0-92B3-8A7A644094FB}"/>
+                </a:ext>
+              </a:extLst>
+            </p:cNvPr>
+            <p:cNvSpPr/>
+            <p:nvPr/>
+          </p:nvSpPr>
+          <p:spPr>
+            <a:xfrm>
+              <a:off x="3797496" y="3444907"/>
+              <a:ext cx="214251" cy="198141"/>
+            </a:xfrm>
+            <a:prstGeom prst="rect">
+              <a:avLst/>
+            </a:prstGeom>
+            <a:noFill/>
+            <a:ln>
+              <a:noFill/>
+            </a:ln>
+          </p:spPr>
+          <p:txBody>
+            <a:bodyPr spcFirstLastPara="1" wrap="square" lIns="48760" tIns="24373" rIns="48760" bIns="24373" anchor="ctr" anchorCtr="0">
+              <a:noAutofit/>
+            </a:bodyPr>
+            <a:lstStyle/>
+            <a:p>
+              <a:pPr algn="ctr">
+                <a:buSzPts val="1400"/>
+              </a:pPr>
+              <a:r>
+                <a:rPr lang="en-US" sz="750" dirty="0">
+                  <a:latin typeface="Calibri"/>
+                  <a:ea typeface="Calibri"/>
+                  <a:cs typeface="Calibri"/>
+                  <a:sym typeface="Calibri"/>
+                </a:rPr>
+                <a:t>M</a:t>
+              </a:r>
+              <a:endParaRPr sz="750" dirty="0">
+                <a:latin typeface="Calibri"/>
+                <a:ea typeface="Calibri"/>
+                <a:cs typeface="Calibri"/>
+                <a:sym typeface="Calibri"/>
+              </a:endParaRPr>
+            </a:p>
+          </p:txBody>
+        </p:sp>
+        <p:sp>
+          <p:nvSpPr>
+            <p:cNvPr id="208" name="Google Shape;104;g5b0f7406fe_0_0">
+              <a:extLst>
+                <a:ext uri="{FF2B5EF4-FFF2-40B4-BE49-F238E27FC236}">
+                  <a16:creationId xmlns:a16="http://schemas.microsoft.com/office/drawing/2014/main" id="{96A879BC-EC8C-4078-9A6B-A665FD31D27F}"/>
+                </a:ext>
+              </a:extLst>
+            </p:cNvPr>
+            <p:cNvSpPr/>
+            <p:nvPr/>
+          </p:nvSpPr>
+          <p:spPr>
+            <a:xfrm>
+              <a:off x="3794864" y="3964873"/>
+              <a:ext cx="214251" cy="198141"/>
+            </a:xfrm>
+            <a:prstGeom prst="rect">
+              <a:avLst/>
+            </a:prstGeom>
+            <a:noFill/>
+            <a:ln>
+              <a:noFill/>
+            </a:ln>
+          </p:spPr>
+          <p:txBody>
+            <a:bodyPr spcFirstLastPara="1" wrap="square" lIns="48760" tIns="24373" rIns="48760" bIns="24373" anchor="ctr" anchorCtr="0">
+              <a:noAutofit/>
+            </a:bodyPr>
+            <a:lstStyle/>
+            <a:p>
+              <a:pPr algn="ctr">
+                <a:buSzPts val="1400"/>
+              </a:pPr>
+              <a:r>
+                <a:rPr lang="en-US" sz="750" dirty="0">
+                  <a:latin typeface="Calibri"/>
+                  <a:ea typeface="Calibri"/>
+                  <a:cs typeface="Calibri"/>
+                  <a:sym typeface="Calibri"/>
+                </a:rPr>
+                <a:t>S</a:t>
+              </a:r>
+              <a:endParaRPr sz="750" dirty="0">
+                <a:latin typeface="Calibri"/>
+                <a:ea typeface="Calibri"/>
+                <a:cs typeface="Calibri"/>
+                <a:sym typeface="Calibri"/>
+              </a:endParaRPr>
+            </a:p>
+          </p:txBody>
+        </p:sp>
+        <p:cxnSp>
+          <p:nvCxnSpPr>
+            <p:cNvPr id="209" name="Google Shape;150;g5b0f7406fe_0_0">
+              <a:extLst>
+                <a:ext uri="{FF2B5EF4-FFF2-40B4-BE49-F238E27FC236}">
+                  <a16:creationId xmlns:a16="http://schemas.microsoft.com/office/drawing/2014/main" id="{7B19AFB6-B073-4DB5-9B83-4614A28A437D}"/>
+                </a:ext>
+              </a:extLst>
+            </p:cNvPr>
+            <p:cNvCxnSpPr>
+              <a:cxnSpLocks/>
+              <a:stCxn id="206" idx="0"/>
+              <a:endCxn id="99" idx="2"/>
+            </p:cNvCxnSpPr>
+            <p:nvPr/>
+          </p:nvCxnSpPr>
+          <p:spPr>
+            <a:xfrm flipV="1">
+              <a:off x="3904621" y="3611113"/>
+              <a:ext cx="0" cy="271918"/>
+            </a:xfrm>
+            <a:prstGeom prst="straightConnector1">
+              <a:avLst/>
+            </a:prstGeom>
+            <a:noFill/>
+            <a:ln w="28575" cap="flat" cmpd="sng">
+              <a:solidFill>
+                <a:srgbClr val="000000"/>
+              </a:solidFill>
+              <a:prstDash val="solid"/>
+              <a:round/>
+              <a:headEnd type="none" w="sm" len="sm"/>
+              <a:tailEnd type="none" w="sm" len="sm"/>
+            </a:ln>
+          </p:spPr>
+        </p:cxnSp>
+        <p:sp>
+          <p:nvSpPr>
+            <p:cNvPr id="212" name="Google Shape;159;g5b0f7406fe_0_0">
+              <a:extLst>
+                <a:ext uri="{FF2B5EF4-FFF2-40B4-BE49-F238E27FC236}">
+                  <a16:creationId xmlns:a16="http://schemas.microsoft.com/office/drawing/2014/main" id="{BD327564-7BB4-4D67-9341-CB11795B29CA}"/>
+                </a:ext>
+              </a:extLst>
+            </p:cNvPr>
+            <p:cNvSpPr/>
+            <p:nvPr/>
+          </p:nvSpPr>
+          <p:spPr>
+            <a:xfrm>
+              <a:off x="4724376" y="4385075"/>
+              <a:ext cx="749968" cy="297293"/>
+            </a:xfrm>
+            <a:prstGeom prst="rect">
+              <a:avLst/>
+            </a:prstGeom>
+            <a:solidFill>
+              <a:srgbClr val="E5DFEC"/>
+            </a:solidFill>
+            <a:ln w="25400" cap="flat" cmpd="sng">
+              <a:solidFill>
+                <a:srgbClr val="000000"/>
+              </a:solidFill>
+              <a:prstDash val="solid"/>
+              <a:round/>
+              <a:headEnd type="none" w="sm" len="sm"/>
+              <a:tailEnd type="none" w="sm" len="sm"/>
+            </a:ln>
+          </p:spPr>
+          <p:txBody>
+            <a:bodyPr spcFirstLastPara="1" wrap="square" lIns="48760" tIns="24373" rIns="48760" bIns="24373" anchor="ctr" anchorCtr="0">
+              <a:noAutofit/>
+            </a:bodyPr>
+            <a:lstStyle/>
+            <a:p>
+              <a:pPr algn="ctr">
+                <a:buClr>
+                  <a:srgbClr val="222222"/>
+                </a:buClr>
+                <a:buSzPts val="1400"/>
+              </a:pPr>
+              <a:r>
+                <a:rPr lang="en-US" sz="747" dirty="0">
+                  <a:solidFill>
+                    <a:srgbClr val="222222"/>
+                  </a:solidFill>
+                </a:rPr>
+                <a:t>  GPIO Reset</a:t>
+              </a:r>
+              <a:endParaRPr sz="747" dirty="0"/>
+            </a:p>
+          </p:txBody>
+        </p:sp>
+        <p:sp>
+          <p:nvSpPr>
+            <p:cNvPr id="213" name="Google Shape;162;g5b0f7406fe_0_0">
+              <a:extLst>
+                <a:ext uri="{FF2B5EF4-FFF2-40B4-BE49-F238E27FC236}">
+                  <a16:creationId xmlns:a16="http://schemas.microsoft.com/office/drawing/2014/main" id="{B793E2F5-0818-4843-B328-AE49E8CC1D39}"/>
+                </a:ext>
+              </a:extLst>
+            </p:cNvPr>
+            <p:cNvSpPr/>
+            <p:nvPr/>
+          </p:nvSpPr>
+          <p:spPr>
+            <a:xfrm>
+              <a:off x="4713823" y="4434619"/>
+              <a:ext cx="214251" cy="198141"/>
+            </a:xfrm>
+            <a:prstGeom prst="rect">
+              <a:avLst/>
+            </a:prstGeom>
+            <a:noFill/>
+            <a:ln>
+              <a:noFill/>
+            </a:ln>
+          </p:spPr>
+          <p:txBody>
+            <a:bodyPr spcFirstLastPara="1" wrap="square" lIns="48760" tIns="24373" rIns="48760" bIns="24373" anchor="ctr" anchorCtr="0">
+              <a:noAutofit/>
+            </a:bodyPr>
+            <a:lstStyle/>
+            <a:p>
+              <a:pPr>
+                <a:buSzPts val="1400"/>
+              </a:pPr>
+              <a:r>
+                <a:rPr lang="en-US" sz="747" dirty="0">
+                  <a:latin typeface="Calibri"/>
+                  <a:ea typeface="Calibri"/>
+                  <a:cs typeface="Calibri"/>
+                  <a:sym typeface="Calibri"/>
+                </a:rPr>
+                <a:t>S</a:t>
+              </a:r>
+              <a:endParaRPr sz="747" dirty="0"/>
+            </a:p>
+          </p:txBody>
+        </p:sp>
+        <p:sp>
+          <p:nvSpPr>
+            <p:cNvPr id="167" name="Google Shape;203;g5b0f7406fe_0_0">
+              <a:extLst>
+                <a:ext uri="{FF2B5EF4-FFF2-40B4-BE49-F238E27FC236}">
+                  <a16:creationId xmlns:a16="http://schemas.microsoft.com/office/drawing/2014/main" id="{2AE3F284-C103-4A9F-A049-5EC477BD2D76}"/>
+                </a:ext>
+              </a:extLst>
+            </p:cNvPr>
+            <p:cNvSpPr/>
+            <p:nvPr/>
+          </p:nvSpPr>
+          <p:spPr>
+            <a:xfrm>
+              <a:off x="622867" y="3035230"/>
+              <a:ext cx="857120" cy="195040"/>
+            </a:xfrm>
+            <a:prstGeom prst="roundRect">
+              <a:avLst>
+                <a:gd name="adj" fmla="val 16667"/>
+              </a:avLst>
+            </a:prstGeom>
+            <a:solidFill>
+              <a:srgbClr val="E5DFEC"/>
+            </a:solidFill>
+            <a:ln w="25400" cap="flat" cmpd="sng">
+              <a:solidFill>
+                <a:schemeClr val="dk1"/>
+              </a:solidFill>
+              <a:prstDash val="solid"/>
+              <a:round/>
+              <a:headEnd type="none" w="sm" len="sm"/>
+              <a:tailEnd type="none" w="sm" len="sm"/>
+            </a:ln>
+          </p:spPr>
+          <p:txBody>
+            <a:bodyPr spcFirstLastPara="1" wrap="square" lIns="48760" tIns="24373" rIns="48760" bIns="24373" anchor="ctr" anchorCtr="0">
+              <a:noAutofit/>
+            </a:bodyPr>
+            <a:lstStyle/>
+            <a:p>
+              <a:pPr algn="ctr"/>
+              <a:r>
+                <a:rPr lang="en-US" sz="747" dirty="0">
+                  <a:solidFill>
+                    <a:srgbClr val="222222"/>
+                  </a:solidFill>
+                </a:rPr>
+                <a:t>FMC</a:t>
+              </a:r>
+              <a:endParaRPr sz="747" dirty="0">
+                <a:solidFill>
+                  <a:srgbClr val="222222"/>
+                </a:solidFill>
+              </a:endParaRPr>
+            </a:p>
+          </p:txBody>
+        </p:sp>
+        <p:cxnSp>
+          <p:nvCxnSpPr>
+            <p:cNvPr id="168" name="Google Shape;205;g5b0f7406fe_0_0">
+              <a:extLst>
+                <a:ext uri="{FF2B5EF4-FFF2-40B4-BE49-F238E27FC236}">
+                  <a16:creationId xmlns:a16="http://schemas.microsoft.com/office/drawing/2014/main" id="{C4692A29-18EE-4B0F-B834-31D74B33CC67}"/>
+                </a:ext>
+              </a:extLst>
+            </p:cNvPr>
+            <p:cNvCxnSpPr>
+              <a:cxnSpLocks/>
+              <a:stCxn id="159" idx="3"/>
+              <a:endCxn id="167" idx="3"/>
+            </p:cNvCxnSpPr>
+            <p:nvPr/>
+          </p:nvCxnSpPr>
+          <p:spPr>
+            <a:xfrm flipH="1" flipV="1">
+              <a:off x="1479987" y="3132750"/>
+              <a:ext cx="662995" cy="965"/>
+            </a:xfrm>
+            <a:prstGeom prst="straightConnector1">
+              <a:avLst/>
+            </a:prstGeom>
+            <a:noFill/>
+            <a:ln w="28575" cap="flat" cmpd="sng">
+              <a:solidFill>
+                <a:schemeClr val="dk1"/>
+              </a:solidFill>
+              <a:prstDash val="solid"/>
+              <a:round/>
+              <a:headEnd type="none" w="sm" len="sm"/>
+              <a:tailEnd type="none" w="sm" len="sm"/>
+            </a:ln>
+          </p:spPr>
+        </p:cxnSp>
+        <p:sp>
+          <p:nvSpPr>
+            <p:cNvPr id="186" name="Google Shape;186;g5b0f7406fe_0_0"/>
+            <p:cNvSpPr/>
+            <p:nvPr/>
+          </p:nvSpPr>
+          <p:spPr>
+            <a:xfrm>
+              <a:off x="4066000" y="4079983"/>
+              <a:ext cx="214240" cy="195040"/>
+            </a:xfrm>
+            <a:prstGeom prst="rect">
+              <a:avLst/>
+            </a:prstGeom>
+            <a:noFill/>
+            <a:ln>
+              <a:noFill/>
+            </a:ln>
+          </p:spPr>
+          <p:txBody>
+            <a:bodyPr spcFirstLastPara="1" wrap="square" lIns="48760" tIns="24373" rIns="48760" bIns="24373" anchor="ctr" anchorCtr="0">
+              <a:noAutofit/>
+            </a:bodyPr>
+            <a:lstStyle/>
+            <a:p>
+              <a:pPr algn="ctr">
+                <a:buSzPts val="1400"/>
+              </a:pPr>
+              <a:r>
+                <a:rPr lang="en-US" sz="747" dirty="0">
+                  <a:latin typeface="Calibri"/>
+                  <a:ea typeface="Calibri"/>
+                  <a:cs typeface="Calibri"/>
+                  <a:sym typeface="Calibri"/>
+                </a:rPr>
+                <a:t>M</a:t>
+              </a:r>
+              <a:endParaRPr sz="853" dirty="0">
+                <a:latin typeface="Calibri"/>
+                <a:ea typeface="Calibri"/>
+                <a:cs typeface="Calibri"/>
+                <a:sym typeface="Calibri"/>
+              </a:endParaRPr>
+            </a:p>
+          </p:txBody>
+        </p:sp>
+        <p:sp>
+          <p:nvSpPr>
+            <p:cNvPr id="189" name="Google Shape;189;g5b0f7406fe_0_0"/>
+            <p:cNvSpPr txBox="1"/>
+            <p:nvPr/>
+          </p:nvSpPr>
+          <p:spPr>
+            <a:xfrm>
+              <a:off x="4400551" y="4021168"/>
+              <a:ext cx="547234" cy="148677"/>
+            </a:xfrm>
+            <a:prstGeom prst="rect">
+              <a:avLst/>
+            </a:prstGeom>
+            <a:noFill/>
+            <a:ln>
+              <a:noFill/>
+            </a:ln>
+          </p:spPr>
+          <p:txBody>
+            <a:bodyPr spcFirstLastPara="1" wrap="square" lIns="48760" tIns="24373" rIns="48760" bIns="24373" anchor="t" anchorCtr="0">
+              <a:noAutofit/>
+            </a:bodyPr>
+            <a:lstStyle/>
+            <a:p>
+              <a:pPr algn="ctr">
+                <a:buSzPts val="1200"/>
+              </a:pPr>
+              <a:r>
+                <a:rPr lang="en-US" sz="640" dirty="0">
+                  <a:latin typeface="Calibri"/>
+                  <a:ea typeface="Calibri"/>
+                  <a:cs typeface="Calibri"/>
+                  <a:sym typeface="Calibri"/>
+                </a:rPr>
+                <a:t>AXI4-Lite 32b </a:t>
+              </a:r>
+              <a:endParaRPr sz="747" dirty="0"/>
+            </a:p>
+          </p:txBody>
+        </p:sp>
+        <p:sp>
+          <p:nvSpPr>
+            <p:cNvPr id="169" name="Google Shape;145;g5b0f7406fe_0_0">
+              <a:extLst>
+                <a:ext uri="{FF2B5EF4-FFF2-40B4-BE49-F238E27FC236}">
+                  <a16:creationId xmlns:a16="http://schemas.microsoft.com/office/drawing/2014/main" id="{8173CE95-7A7B-46E6-AD5E-74B6B65A3E95}"/>
+                </a:ext>
+              </a:extLst>
+            </p:cNvPr>
+            <p:cNvSpPr/>
+            <p:nvPr/>
+          </p:nvSpPr>
+          <p:spPr>
+            <a:xfrm flipH="1">
+              <a:off x="2322660" y="3612061"/>
+              <a:ext cx="395284" cy="198141"/>
+            </a:xfrm>
+            <a:prstGeom prst="rect">
+              <a:avLst/>
+            </a:prstGeom>
+            <a:noFill/>
+            <a:ln>
+              <a:noFill/>
+            </a:ln>
+          </p:spPr>
+          <p:txBody>
+            <a:bodyPr spcFirstLastPara="1" wrap="square" lIns="48760" tIns="24373" rIns="48760" bIns="24373" anchor="ctr" anchorCtr="0">
+              <a:noAutofit/>
+            </a:bodyPr>
+            <a:lstStyle/>
+            <a:p>
+              <a:pPr algn="ctr">
+                <a:buSzPts val="1400"/>
+              </a:pPr>
+              <a:r>
+                <a:rPr lang="en-US" sz="747" dirty="0">
+                  <a:latin typeface="Calibri"/>
+                  <a:ea typeface="Calibri"/>
+                  <a:cs typeface="Calibri"/>
+                  <a:sym typeface="Calibri"/>
+                </a:rPr>
+                <a:t>2S+2M</a:t>
+              </a:r>
+              <a:endParaRPr sz="747" dirty="0"/>
+            </a:p>
+          </p:txBody>
+        </p:sp>
+        <p:sp>
+          <p:nvSpPr>
+            <p:cNvPr id="170" name="Google Shape;145;g5b0f7406fe_0_0">
+              <a:extLst>
+                <a:ext uri="{FF2B5EF4-FFF2-40B4-BE49-F238E27FC236}">
+                  <a16:creationId xmlns:a16="http://schemas.microsoft.com/office/drawing/2014/main" id="{63389733-7BD9-43A6-BAF2-BF81A84617C5}"/>
+                </a:ext>
+              </a:extLst>
+            </p:cNvPr>
+            <p:cNvSpPr/>
+            <p:nvPr/>
+          </p:nvSpPr>
+          <p:spPr>
+            <a:xfrm flipH="1">
+              <a:off x="2316740" y="3936278"/>
+              <a:ext cx="395284" cy="198141"/>
+            </a:xfrm>
+            <a:prstGeom prst="rect">
+              <a:avLst/>
+            </a:prstGeom>
+            <a:noFill/>
+            <a:ln>
+              <a:noFill/>
+            </a:ln>
+          </p:spPr>
+          <p:txBody>
+            <a:bodyPr spcFirstLastPara="1" wrap="square" lIns="48760" tIns="24373" rIns="48760" bIns="24373" anchor="ctr" anchorCtr="0">
+              <a:noAutofit/>
+            </a:bodyPr>
+            <a:lstStyle/>
+            <a:p>
+              <a:pPr algn="ctr">
+                <a:buSzPts val="1400"/>
+              </a:pPr>
+              <a:r>
+                <a:rPr lang="en-US" sz="747" dirty="0">
+                  <a:latin typeface="Calibri"/>
+                  <a:ea typeface="Calibri"/>
+                  <a:cs typeface="Calibri"/>
+                  <a:sym typeface="Calibri"/>
+                </a:rPr>
+                <a:t>2M+2S</a:t>
+              </a:r>
+              <a:endParaRPr sz="747" dirty="0"/>
+            </a:p>
+          </p:txBody>
+        </p:sp>
+        <p:sp>
+          <p:nvSpPr>
+            <p:cNvPr id="171" name="Google Shape;129;g5b0f7406fe_0_0">
+              <a:extLst>
+                <a:ext uri="{FF2B5EF4-FFF2-40B4-BE49-F238E27FC236}">
+                  <a16:creationId xmlns:a16="http://schemas.microsoft.com/office/drawing/2014/main" id="{C452C1B6-E63B-4E96-AF15-DAEB9424B528}"/>
+                </a:ext>
+              </a:extLst>
+            </p:cNvPr>
+            <p:cNvSpPr txBox="1"/>
+            <p:nvPr/>
+          </p:nvSpPr>
+          <p:spPr>
+            <a:xfrm>
+              <a:off x="3098779" y="2623699"/>
+              <a:ext cx="442036" cy="161520"/>
+            </a:xfrm>
+            <a:prstGeom prst="rect">
+              <a:avLst/>
+            </a:prstGeom>
+            <a:noFill/>
+            <a:ln>
+              <a:noFill/>
+            </a:ln>
+          </p:spPr>
+          <p:txBody>
+            <a:bodyPr spcFirstLastPara="1" wrap="square" lIns="48760" tIns="24373" rIns="48760" bIns="24373" anchor="t" anchorCtr="0">
+              <a:noAutofit/>
+            </a:bodyPr>
+            <a:lstStyle/>
+            <a:p>
+              <a:pPr algn="ctr">
+                <a:buSzPts val="1200"/>
+              </a:pPr>
+              <a:r>
+                <a:rPr lang="en-US" sz="640" dirty="0">
+                  <a:latin typeface="Calibri"/>
+                  <a:ea typeface="Calibri"/>
+                  <a:cs typeface="Calibri"/>
+                  <a:sym typeface="Calibri"/>
+                </a:rPr>
+                <a:t>AXI4</a:t>
+              </a:r>
+              <a:r>
+                <a:rPr lang="en-US" sz="747" dirty="0">
+                  <a:ea typeface="Calibri"/>
+                </a:rPr>
+                <a:t> </a:t>
+              </a:r>
+              <a:r>
+                <a:rPr lang="en-US" sz="640" dirty="0">
+                  <a:latin typeface="Calibri"/>
+                  <a:ea typeface="Calibri"/>
+                  <a:cs typeface="Calibri"/>
+                  <a:sym typeface="Calibri"/>
+                </a:rPr>
+                <a:t>64b </a:t>
+              </a:r>
+              <a:endParaRPr sz="747" dirty="0"/>
+            </a:p>
+          </p:txBody>
+        </p:sp>
+        <p:sp>
+          <p:nvSpPr>
+            <p:cNvPr id="172" name="Google Shape;154;g5b0f7406fe_0_0">
+              <a:extLst>
+                <a:ext uri="{FF2B5EF4-FFF2-40B4-BE49-F238E27FC236}">
+                  <a16:creationId xmlns:a16="http://schemas.microsoft.com/office/drawing/2014/main" id="{B8B94DD4-B493-4AD5-8B30-94D074A72799}"/>
+                </a:ext>
+              </a:extLst>
+            </p:cNvPr>
+            <p:cNvSpPr/>
+            <p:nvPr/>
+          </p:nvSpPr>
+          <p:spPr>
+            <a:xfrm>
+              <a:off x="4997570" y="3483174"/>
+              <a:ext cx="214251" cy="198141"/>
+            </a:xfrm>
+            <a:prstGeom prst="rect">
+              <a:avLst/>
+            </a:prstGeom>
+            <a:noFill/>
+            <a:ln>
+              <a:noFill/>
+            </a:ln>
+          </p:spPr>
+          <p:txBody>
+            <a:bodyPr spcFirstLastPara="1" wrap="square" lIns="48760" tIns="24373" rIns="48760" bIns="24373" anchor="ctr" anchorCtr="0">
+              <a:noAutofit/>
+            </a:bodyPr>
+            <a:lstStyle/>
+            <a:p>
+              <a:pPr algn="ctr">
+                <a:buSzPts val="1400"/>
+              </a:pPr>
+              <a:r>
+                <a:rPr lang="en-US" sz="747" dirty="0">
+                  <a:latin typeface="Calibri"/>
+                  <a:ea typeface="Calibri"/>
+                  <a:cs typeface="Calibri"/>
+                  <a:sym typeface="Calibri"/>
+                </a:rPr>
+                <a:t>S</a:t>
+              </a:r>
+              <a:endParaRPr sz="747" dirty="0"/>
+            </a:p>
+          </p:txBody>
+        </p:sp>
+        <p:cxnSp>
+          <p:nvCxnSpPr>
+            <p:cNvPr id="24" name="Connector: Elbow 23">
+              <a:extLst>
+                <a:ext uri="{FF2B5EF4-FFF2-40B4-BE49-F238E27FC236}">
+                  <a16:creationId xmlns:a16="http://schemas.microsoft.com/office/drawing/2014/main" id="{8D797CFE-252D-492B-94AB-86C30BD874EF}"/>
+                </a:ext>
+              </a:extLst>
+            </p:cNvPr>
+            <p:cNvCxnSpPr>
+              <a:cxnSpLocks/>
+              <a:stCxn id="186" idx="3"/>
+              <a:endCxn id="151" idx="2"/>
+            </p:cNvCxnSpPr>
+            <p:nvPr/>
+          </p:nvCxnSpPr>
+          <p:spPr>
+            <a:xfrm flipV="1">
+              <a:off x="4280240" y="3651351"/>
+              <a:ext cx="819120" cy="526152"/>
+            </a:xfrm>
+            <a:prstGeom prst="bentConnector2">
+              <a:avLst/>
+            </a:prstGeom>
+            <a:noFill/>
+            <a:ln w="28575" cap="flat" cmpd="sng">
+              <a:solidFill>
+                <a:srgbClr val="000000"/>
+              </a:solidFill>
+              <a:prstDash val="solid"/>
+              <a:round/>
+              <a:headEnd type="none" w="sm" len="sm"/>
+              <a:tailEnd type="none" w="sm" len="sm"/>
+            </a:ln>
+          </p:spPr>
+        </p:cxnSp>
+        <p:sp>
+          <p:nvSpPr>
+            <p:cNvPr id="173" name="Google Shape;139;g5b0f7406fe_0_0">
+              <a:extLst>
+                <a:ext uri="{FF2B5EF4-FFF2-40B4-BE49-F238E27FC236}">
+                  <a16:creationId xmlns:a16="http://schemas.microsoft.com/office/drawing/2014/main" id="{BF4BDE99-0AC9-40CE-BCE5-4E5A5B81A468}"/>
+                </a:ext>
+              </a:extLst>
+            </p:cNvPr>
+            <p:cNvSpPr/>
+            <p:nvPr/>
+          </p:nvSpPr>
+          <p:spPr>
+            <a:xfrm flipH="1">
+              <a:off x="2684065" y="3592061"/>
+              <a:ext cx="214251" cy="198141"/>
+            </a:xfrm>
+            <a:prstGeom prst="rect">
+              <a:avLst/>
+            </a:prstGeom>
+            <a:noFill/>
+            <a:ln>
+              <a:noFill/>
+            </a:ln>
+          </p:spPr>
+          <p:txBody>
+            <a:bodyPr spcFirstLastPara="1" wrap="square" lIns="48760" tIns="24373" rIns="48760" bIns="24373" anchor="ctr" anchorCtr="0">
+              <a:noAutofit/>
+            </a:bodyPr>
+            <a:lstStyle/>
+            <a:p>
+              <a:pPr algn="r">
+                <a:buSzPts val="1400"/>
+              </a:pPr>
+              <a:r>
+                <a:rPr lang="en-US" sz="750" dirty="0">
+                  <a:latin typeface="Calibri"/>
+                  <a:ea typeface="Calibri"/>
+                  <a:cs typeface="Calibri"/>
+                  <a:sym typeface="Calibri"/>
+                </a:rPr>
+                <a:t>S</a:t>
+              </a:r>
+              <a:endParaRPr sz="750" dirty="0">
+                <a:latin typeface="Calibri"/>
+                <a:ea typeface="Calibri"/>
+                <a:cs typeface="Calibri"/>
+                <a:sym typeface="Calibri"/>
+              </a:endParaRPr>
+            </a:p>
+          </p:txBody>
+        </p:sp>
+        <p:sp>
+          <p:nvSpPr>
+            <p:cNvPr id="174" name="Google Shape;104;g5b0f7406fe_0_0">
+              <a:extLst>
+                <a:ext uri="{FF2B5EF4-FFF2-40B4-BE49-F238E27FC236}">
+                  <a16:creationId xmlns:a16="http://schemas.microsoft.com/office/drawing/2014/main" id="{41DE2DB2-CAEB-424A-8E85-531A5F750AF0}"/>
+                </a:ext>
+              </a:extLst>
+            </p:cNvPr>
+            <p:cNvSpPr/>
+            <p:nvPr/>
+          </p:nvSpPr>
+          <p:spPr>
+            <a:xfrm>
+              <a:off x="3502987" y="4093449"/>
+              <a:ext cx="214251" cy="198141"/>
+            </a:xfrm>
+            <a:prstGeom prst="rect">
+              <a:avLst/>
+            </a:prstGeom>
+            <a:noFill/>
+            <a:ln>
+              <a:noFill/>
+            </a:ln>
+          </p:spPr>
+          <p:txBody>
+            <a:bodyPr spcFirstLastPara="1" wrap="square" lIns="48760" tIns="24373" rIns="48760" bIns="24373" anchor="ctr" anchorCtr="0">
+              <a:noAutofit/>
+            </a:bodyPr>
+            <a:lstStyle/>
+            <a:p>
+              <a:pPr algn="ctr">
+                <a:buSzPts val="1400"/>
+              </a:pPr>
+              <a:r>
+                <a:rPr lang="en-US" sz="750" dirty="0">
+                  <a:latin typeface="Calibri"/>
+                  <a:ea typeface="Calibri"/>
+                  <a:cs typeface="Calibri"/>
+                  <a:sym typeface="Calibri"/>
+                </a:rPr>
+                <a:t>M</a:t>
+              </a:r>
+              <a:endParaRPr sz="750" dirty="0">
+                <a:latin typeface="Calibri"/>
+                <a:ea typeface="Calibri"/>
+                <a:cs typeface="Calibri"/>
+                <a:sym typeface="Calibri"/>
+              </a:endParaRPr>
+            </a:p>
+          </p:txBody>
+        </p:sp>
+        <p:sp>
+          <p:nvSpPr>
+            <p:cNvPr id="175" name="Google Shape;104;g5b0f7406fe_0_0">
+              <a:extLst>
+                <a:ext uri="{FF2B5EF4-FFF2-40B4-BE49-F238E27FC236}">
+                  <a16:creationId xmlns:a16="http://schemas.microsoft.com/office/drawing/2014/main" id="{1FBDF828-F57C-4205-9EB8-516DA8F1D76B}"/>
+                </a:ext>
+              </a:extLst>
+            </p:cNvPr>
+            <p:cNvSpPr/>
+            <p:nvPr/>
+          </p:nvSpPr>
+          <p:spPr>
+            <a:xfrm>
+              <a:off x="3506574" y="4449843"/>
+              <a:ext cx="214251" cy="198141"/>
+            </a:xfrm>
+            <a:prstGeom prst="rect">
+              <a:avLst/>
+            </a:prstGeom>
+            <a:noFill/>
+            <a:ln>
+              <a:noFill/>
+            </a:ln>
+          </p:spPr>
+          <p:txBody>
+            <a:bodyPr spcFirstLastPara="1" wrap="square" lIns="48760" tIns="24373" rIns="48760" bIns="24373" anchor="ctr" anchorCtr="0">
+              <a:noAutofit/>
+            </a:bodyPr>
+            <a:lstStyle/>
+            <a:p>
+              <a:pPr algn="ctr">
+                <a:buSzPts val="1400"/>
+              </a:pPr>
+              <a:r>
+                <a:rPr lang="en-US" sz="750" dirty="0">
+                  <a:latin typeface="Calibri"/>
+                  <a:ea typeface="Calibri"/>
+                  <a:cs typeface="Calibri"/>
+                  <a:sym typeface="Calibri"/>
+                </a:rPr>
+                <a:t>M</a:t>
+              </a:r>
+              <a:endParaRPr sz="750" dirty="0">
+                <a:latin typeface="Calibri"/>
+                <a:ea typeface="Calibri"/>
+                <a:cs typeface="Calibri"/>
+                <a:sym typeface="Calibri"/>
+              </a:endParaRPr>
+            </a:p>
+          </p:txBody>
+        </p:sp>
+        <p:sp>
+          <p:nvSpPr>
+            <p:cNvPr id="176" name="Google Shape;104;g5b0f7406fe_0_0">
+              <a:extLst>
+                <a:ext uri="{FF2B5EF4-FFF2-40B4-BE49-F238E27FC236}">
+                  <a16:creationId xmlns:a16="http://schemas.microsoft.com/office/drawing/2014/main" id="{09884913-96E3-4746-83A8-572E19A8191C}"/>
+                </a:ext>
+              </a:extLst>
+            </p:cNvPr>
+            <p:cNvSpPr/>
+            <p:nvPr/>
+          </p:nvSpPr>
+          <p:spPr>
+            <a:xfrm>
+              <a:off x="3524678" y="3897056"/>
+              <a:ext cx="214251" cy="198141"/>
+            </a:xfrm>
+            <a:prstGeom prst="rect">
+              <a:avLst/>
+            </a:prstGeom>
+            <a:noFill/>
+            <a:ln>
+              <a:noFill/>
+            </a:ln>
+          </p:spPr>
+          <p:txBody>
+            <a:bodyPr spcFirstLastPara="1" wrap="square" lIns="48760" tIns="24373" rIns="48760" bIns="24373" anchor="ctr" anchorCtr="0">
+              <a:noAutofit/>
+            </a:bodyPr>
+            <a:lstStyle/>
+            <a:p>
+              <a:pPr>
+                <a:buSzPts val="1400"/>
+              </a:pPr>
+              <a:r>
+                <a:rPr lang="en-US" sz="750" dirty="0">
+                  <a:latin typeface="Calibri"/>
+                  <a:ea typeface="Calibri"/>
+                  <a:cs typeface="Calibri"/>
+                  <a:sym typeface="Calibri"/>
+                </a:rPr>
+                <a:t>M</a:t>
+              </a:r>
+              <a:endParaRPr sz="750" dirty="0">
+                <a:latin typeface="Calibri"/>
+                <a:ea typeface="Calibri"/>
+                <a:cs typeface="Calibri"/>
+                <a:sym typeface="Calibri"/>
+              </a:endParaRPr>
+            </a:p>
+          </p:txBody>
+        </p:sp>
+        <p:cxnSp>
+          <p:nvCxnSpPr>
+            <p:cNvPr id="177" name="Connector: Elbow 176">
+              <a:extLst>
+                <a:ext uri="{FF2B5EF4-FFF2-40B4-BE49-F238E27FC236}">
+                  <a16:creationId xmlns:a16="http://schemas.microsoft.com/office/drawing/2014/main" id="{22A19419-6351-4BA4-8F6C-8DB53096A97D}"/>
+                </a:ext>
+              </a:extLst>
+            </p:cNvPr>
+            <p:cNvCxnSpPr>
+              <a:cxnSpLocks/>
+              <a:stCxn id="173" idx="1"/>
+              <a:endCxn id="176" idx="1"/>
+            </p:cNvCxnSpPr>
+            <p:nvPr/>
+          </p:nvCxnSpPr>
+          <p:spPr>
+            <a:xfrm>
+              <a:off x="2898316" y="3691132"/>
+              <a:ext cx="626362" cy="304995"/>
+            </a:xfrm>
+            <a:prstGeom prst="bentConnector3">
+              <a:avLst>
+                <a:gd name="adj1" fmla="val 78893"/>
+              </a:avLst>
+            </a:prstGeom>
+            <a:noFill/>
+            <a:ln w="28575" cap="flat" cmpd="sng">
+              <a:solidFill>
+                <a:srgbClr val="000000"/>
+              </a:solidFill>
+              <a:prstDash val="solid"/>
+              <a:round/>
+              <a:headEnd type="none" w="sm" len="sm"/>
+              <a:tailEnd type="none" w="sm" len="sm"/>
+            </a:ln>
+          </p:spPr>
+        </p:cxnSp>
+        <p:sp>
+          <p:nvSpPr>
+            <p:cNvPr id="181" name="Google Shape;186;g5b0f7406fe_0_0">
+              <a:extLst>
+                <a:ext uri="{FF2B5EF4-FFF2-40B4-BE49-F238E27FC236}">
+                  <a16:creationId xmlns:a16="http://schemas.microsoft.com/office/drawing/2014/main" id="{0E1EB44F-8EE1-4841-8733-32A4CA127130}"/>
+                </a:ext>
+              </a:extLst>
+            </p:cNvPr>
+            <p:cNvSpPr/>
+            <p:nvPr/>
+          </p:nvSpPr>
+          <p:spPr>
+            <a:xfrm>
+              <a:off x="4066000" y="4433367"/>
+              <a:ext cx="214240" cy="195040"/>
+            </a:xfrm>
+            <a:prstGeom prst="rect">
+              <a:avLst/>
+            </a:prstGeom>
+            <a:noFill/>
+            <a:ln>
+              <a:noFill/>
+            </a:ln>
+          </p:spPr>
+          <p:txBody>
+            <a:bodyPr spcFirstLastPara="1" wrap="square" lIns="48760" tIns="24373" rIns="48760" bIns="24373" anchor="ctr" anchorCtr="0">
+              <a:noAutofit/>
+            </a:bodyPr>
+            <a:lstStyle/>
+            <a:p>
+              <a:pPr algn="ctr">
+                <a:buSzPts val="1400"/>
+              </a:pPr>
+              <a:r>
+                <a:rPr lang="en-US" sz="747" dirty="0">
+                  <a:latin typeface="Calibri"/>
+                  <a:ea typeface="Calibri"/>
+                  <a:cs typeface="Calibri"/>
+                  <a:sym typeface="Calibri"/>
+                </a:rPr>
+                <a:t>M</a:t>
+              </a:r>
+              <a:endParaRPr sz="853" dirty="0">
+                <a:latin typeface="Calibri"/>
+                <a:ea typeface="Calibri"/>
+                <a:cs typeface="Calibri"/>
+                <a:sym typeface="Calibri"/>
+              </a:endParaRPr>
+            </a:p>
+          </p:txBody>
+        </p:sp>
+        <p:sp>
+          <p:nvSpPr>
+            <p:cNvPr id="182" name="Google Shape;189;g5b0f7406fe_0_0">
+              <a:extLst>
+                <a:ext uri="{FF2B5EF4-FFF2-40B4-BE49-F238E27FC236}">
+                  <a16:creationId xmlns:a16="http://schemas.microsoft.com/office/drawing/2014/main" id="{F9F6683F-6863-4B26-B082-1EC3FB6D8F6E}"/>
+                </a:ext>
+              </a:extLst>
+            </p:cNvPr>
+            <p:cNvSpPr txBox="1"/>
+            <p:nvPr/>
+          </p:nvSpPr>
+          <p:spPr>
+            <a:xfrm>
+              <a:off x="2903729" y="3556379"/>
+              <a:ext cx="547234" cy="148677"/>
+            </a:xfrm>
+            <a:prstGeom prst="rect">
+              <a:avLst/>
+            </a:prstGeom>
+            <a:noFill/>
+            <a:ln>
+              <a:noFill/>
+            </a:ln>
+          </p:spPr>
+          <p:txBody>
+            <a:bodyPr spcFirstLastPara="1" wrap="square" lIns="48760" tIns="24373" rIns="48760" bIns="24373" anchor="t" anchorCtr="0">
+              <a:noAutofit/>
+            </a:bodyPr>
+            <a:lstStyle/>
+            <a:p>
+              <a:pPr algn="ctr">
+                <a:buSzPts val="1200"/>
+              </a:pPr>
+              <a:r>
+                <a:rPr lang="en-US" sz="640" dirty="0">
+                  <a:latin typeface="Calibri"/>
+                  <a:ea typeface="Calibri"/>
+                  <a:cs typeface="Calibri"/>
+                  <a:sym typeface="Calibri"/>
+                </a:rPr>
+                <a:t>AXI4-Lite 32b </a:t>
+              </a:r>
+              <a:endParaRPr sz="747" dirty="0"/>
+            </a:p>
+          </p:txBody>
+        </p:sp>
+        <p:cxnSp>
+          <p:nvCxnSpPr>
+            <p:cNvPr id="77" name="Connector: Elbow 76">
+              <a:extLst>
+                <a:ext uri="{FF2B5EF4-FFF2-40B4-BE49-F238E27FC236}">
+                  <a16:creationId xmlns:a16="http://schemas.microsoft.com/office/drawing/2014/main" id="{5D9857AB-31E5-49DD-87FD-76A4D2BEDB81}"/>
+                </a:ext>
+              </a:extLst>
+            </p:cNvPr>
+            <p:cNvCxnSpPr>
+              <a:cxnSpLocks/>
+              <a:endCxn id="184" idx="3"/>
+            </p:cNvCxnSpPr>
+            <p:nvPr/>
+          </p:nvCxnSpPr>
+          <p:spPr>
+            <a:xfrm rot="16200000" flipV="1">
+              <a:off x="5016989" y="2157164"/>
+              <a:ext cx="287488" cy="151576"/>
+            </a:xfrm>
+            <a:prstGeom prst="bentConnector2">
+              <a:avLst/>
+            </a:prstGeom>
+            <a:noFill/>
+            <a:ln w="28575" cap="flat" cmpd="sng">
+              <a:solidFill>
+                <a:srgbClr val="000000"/>
+              </a:solidFill>
+              <a:prstDash val="solid"/>
+              <a:round/>
+              <a:headEnd type="none" w="sm" len="sm"/>
+              <a:tailEnd type="triangle" w="sm" len="sm"/>
+            </a:ln>
+          </p:spPr>
+        </p:cxnSp>
+        <p:sp>
+          <p:nvSpPr>
+            <p:cNvPr id="184" name="Google Shape;116;g5b0f7406fe_0_0">
+              <a:extLst>
+                <a:ext uri="{FF2B5EF4-FFF2-40B4-BE49-F238E27FC236}">
+                  <a16:creationId xmlns:a16="http://schemas.microsoft.com/office/drawing/2014/main" id="{0C099237-346C-46D3-9768-2A164F472815}"/>
+                </a:ext>
+              </a:extLst>
+            </p:cNvPr>
+            <p:cNvSpPr/>
+            <p:nvPr/>
+          </p:nvSpPr>
+          <p:spPr>
+            <a:xfrm>
+              <a:off x="3335471" y="1973361"/>
+              <a:ext cx="1749474" cy="231693"/>
+            </a:xfrm>
+            <a:prstGeom prst="roundRect">
+              <a:avLst>
+                <a:gd name="adj" fmla="val 16667"/>
+              </a:avLst>
+            </a:prstGeom>
+            <a:noFill/>
+            <a:ln w="25400" cap="flat" cmpd="sng">
+              <a:noFill/>
+              <a:prstDash val="solid"/>
+              <a:round/>
+              <a:headEnd type="none" w="sm" len="sm"/>
+              <a:tailEnd type="none" w="sm" len="sm"/>
+            </a:ln>
+          </p:spPr>
+          <p:txBody>
+            <a:bodyPr spcFirstLastPara="1" wrap="square" lIns="48760" tIns="24373" rIns="48760" bIns="24373" anchor="ctr" anchorCtr="0">
+              <a:noAutofit/>
+            </a:bodyPr>
+            <a:lstStyle/>
+            <a:p>
+              <a:pPr algn="r">
+                <a:buSzPts val="1400"/>
+              </a:pPr>
+              <a:r>
+                <a:rPr lang="en-US" sz="747" dirty="0">
+                  <a:solidFill>
+                    <a:srgbClr val="222222"/>
+                  </a:solidFill>
+                </a:rPr>
+                <a:t>SoC clock for AXI subsystem - ACLK</a:t>
+              </a:r>
+            </a:p>
+          </p:txBody>
+        </p:sp>
+      </p:grpSp>
+      <p:sp>
+        <p:nvSpPr>
+          <p:cNvPr id="90" name="TextBox 89">
+            <a:extLst>
+              <a:ext uri="{FF2B5EF4-FFF2-40B4-BE49-F238E27FC236}">
+                <a16:creationId xmlns:a16="http://schemas.microsoft.com/office/drawing/2014/main" id="{EAA7302A-75AA-4D5C-A23A-417380F03BDD}"/>
+              </a:ext>
+            </a:extLst>
+          </p:cNvPr>
+          <p:cNvSpPr txBox="1"/>
+          <p:nvPr/>
+        </p:nvSpPr>
+        <p:spPr>
+          <a:xfrm>
+            <a:off x="725863" y="176242"/>
+            <a:ext cx="10485476" cy="707886"/>
+          </a:xfrm>
+          <a:prstGeom prst="rect">
+            <a:avLst/>
+          </a:prstGeom>
+          <a:noFill/>
+        </p:spPr>
+        <p:txBody>
+          <a:bodyPr wrap="square" rtlCol="0">
+            <a:spAutoFit/>
+          </a:bodyPr>
+          <a:lstStyle/>
+          <a:p>
+            <a:r>
+              <a:rPr lang="en-US" sz="2000" b="1" dirty="0">
+                <a:solidFill>
+                  <a:srgbClr val="C00000"/>
+                </a:solidFill>
+              </a:rPr>
+              <a:t>Updated to “P1/P2/P3” for in  GFE_Rel5.0_System_Description.{</a:t>
+            </a:r>
+            <a:r>
+              <a:rPr lang="en-US" sz="2000" b="1" dirty="0" err="1">
+                <a:solidFill>
+                  <a:srgbClr val="C00000"/>
+                </a:solidFill>
+              </a:rPr>
+              <a:t>docx,pdf</a:t>
+            </a:r>
+            <a:r>
+              <a:rPr lang="en-US" sz="2000" b="1" dirty="0">
+                <a:solidFill>
+                  <a:srgbClr val="C00000"/>
+                </a:solidFill>
+              </a:rPr>
+              <a:t>} Figure 1</a:t>
+            </a:r>
+          </a:p>
+          <a:p>
+            <a:r>
+              <a:rPr lang="en-US" sz="2000" b="1" dirty="0">
+                <a:solidFill>
+                  <a:srgbClr val="C00000"/>
+                </a:solidFill>
+              </a:rPr>
+              <a:t>Used in  GFE_Rel4.3_System_Description.{</a:t>
+            </a:r>
+            <a:r>
+              <a:rPr lang="en-US" sz="2000" b="1" dirty="0" err="1">
+                <a:solidFill>
+                  <a:srgbClr val="C00000"/>
+                </a:solidFill>
+              </a:rPr>
+              <a:t>docx,pdf</a:t>
+            </a:r>
+            <a:r>
+              <a:rPr lang="en-US" sz="2000" b="1" dirty="0">
+                <a:solidFill>
+                  <a:srgbClr val="C00000"/>
+                </a:solidFill>
+              </a:rPr>
+              <a:t>} Figure 1</a:t>
+            </a:r>
+          </a:p>
+        </p:txBody>
+      </p:sp>
+      <p:sp>
+        <p:nvSpPr>
+          <p:cNvPr id="117" name="Google Shape;129;g5b0f7406fe_0_0">
+            <a:extLst>
+              <a:ext uri="{FF2B5EF4-FFF2-40B4-BE49-F238E27FC236}">
+                <a16:creationId xmlns:a16="http://schemas.microsoft.com/office/drawing/2014/main" id="{351F1694-18F4-4E7D-BE88-9A17A4804ACD}"/>
+              </a:ext>
+            </a:extLst>
+          </p:cNvPr>
+          <p:cNvSpPr txBox="1"/>
+          <p:nvPr/>
+        </p:nvSpPr>
+        <p:spPr>
+          <a:xfrm>
+            <a:off x="2435336" y="1459182"/>
+            <a:ext cx="442036" cy="161520"/>
+          </a:xfrm>
+          <a:prstGeom prst="rect">
+            <a:avLst/>
+          </a:prstGeom>
+          <a:noFill/>
+          <a:ln>
+            <a:noFill/>
+          </a:ln>
+        </p:spPr>
+        <p:txBody>
+          <a:bodyPr spcFirstLastPara="1" wrap="square" lIns="48760" tIns="24373" rIns="48760" bIns="24373" anchor="t" anchorCtr="0">
+            <a:noAutofit/>
+          </a:bodyPr>
+          <a:lstStyle/>
+          <a:p>
+            <a:pPr algn="ctr">
+              <a:buSzPts val="1200"/>
+            </a:pPr>
+            <a:r>
+              <a:rPr lang="en-US" sz="640" dirty="0">
+                <a:latin typeface="Calibri"/>
+                <a:ea typeface="Calibri"/>
+                <a:cs typeface="Calibri"/>
+                <a:sym typeface="Calibri"/>
+              </a:rPr>
+              <a:t>TV</a:t>
+            </a:r>
+            <a:endParaRPr sz="747" dirty="0"/>
+          </a:p>
+        </p:txBody>
+      </p:sp>
+      <p:pic>
+        <p:nvPicPr>
+          <p:cNvPr id="2" name="Picture 1">
+            <a:extLst>
+              <a:ext uri="{FF2B5EF4-FFF2-40B4-BE49-F238E27FC236}">
+                <a16:creationId xmlns:a16="http://schemas.microsoft.com/office/drawing/2014/main" id="{A50873F7-92E7-404B-B520-622037284AE7}"/>
+              </a:ext>
+            </a:extLst>
+          </p:cNvPr>
+          <p:cNvPicPr>
+            <a:picLocks noChangeAspect="1"/>
+          </p:cNvPicPr>
+          <p:nvPr/>
+        </p:nvPicPr>
+        <p:blipFill>
+          <a:blip r:embed="rId3"/>
+          <a:stretch>
+            <a:fillRect/>
+          </a:stretch>
+        </p:blipFill>
+        <p:spPr>
+          <a:xfrm>
+            <a:off x="7329604" y="1347605"/>
+            <a:ext cx="3588416" cy="2015512"/>
+          </a:xfrm>
+          <a:prstGeom prst="rect">
+            <a:avLst/>
+          </a:prstGeom>
+        </p:spPr>
+      </p:pic>
+    </p:spTree>
+    <p:extLst>
+      <p:ext uri="{BB962C8B-B14F-4D97-AF65-F5344CB8AC3E}">
+        <p14:creationId xmlns:p14="http://schemas.microsoft.com/office/powerpoint/2010/main" val="103631601"/>
+      </p:ext>
+    </p:extLst>
+  </p:cSld>
+  <p:clrMapOvr>
+    <a:masterClrMapping/>
+  </p:clrMapOvr>
+</p:sld>
+</file>
+
+<file path=ppt/slides/slide2.xml><?xml version="1.0" encoding="utf-8"?>
+<p:sld xmlns:a="http://schemas.openxmlformats.org/drawingml/2006/main" xmlns:r="http://schemas.openxmlformats.org/officeDocument/2006/relationships" xmlns:p="http://schemas.openxmlformats.org/presentationml/2006/main">
+  <p:cSld>
+    <p:spTree>
+      <p:nvGrpSpPr>
+        <p:cNvPr id="1" name="Shape 88"/>
+        <p:cNvGrpSpPr/>
+        <p:nvPr/>
+      </p:nvGrpSpPr>
+      <p:grpSpPr>
+        <a:xfrm>
+          <a:off x="0" y="0"/>
+          <a:ext cx="0" cy="0"/>
+          <a:chOff x="0" y="0"/>
+          <a:chExt cx="0" cy="0"/>
+        </a:xfrm>
+      </p:grpSpPr>
+      <p:sp>
+        <p:nvSpPr>
+          <p:cNvPr id="89" name="Google Shape;89;g5b0f7406fe_0_0"/>
+          <p:cNvSpPr txBox="1">
+            <a:spLocks noGrp="1"/>
+          </p:cNvSpPr>
+          <p:nvPr>
+            <p:ph type="sldNum" idx="12"/>
+          </p:nvPr>
+        </p:nvSpPr>
+        <p:spPr>
+          <a:xfrm>
+            <a:off x="8737600" y="5152814"/>
+            <a:ext cx="2844800" cy="194720"/>
+          </a:xfrm>
+          <a:prstGeom prst="rect">
+            <a:avLst/>
+          </a:prstGeom>
+        </p:spPr>
+        <p:txBody>
+          <a:bodyPr spcFirstLastPara="1" wrap="square" lIns="48760" tIns="24373" rIns="48760" bIns="24373" anchor="ctr" anchorCtr="0">
+            <a:noAutofit/>
+          </a:bodyPr>
+          <a:lstStyle/>
+          <a:p>
+            <a:fld id="{00000000-1234-1234-1234-123412341234}" type="slidenum">
+              <a:rPr lang="en-US"/>
+              <a:pPr/>
+              <a:t>2</a:t>
+            </a:fld>
+            <a:endParaRPr/>
+          </a:p>
+        </p:txBody>
+      </p:sp>
+      <p:sp>
+        <p:nvSpPr>
+          <p:cNvPr id="165" name="Google Shape;165;g5b0f7406fe_0_0"/>
+          <p:cNvSpPr txBox="1"/>
+          <p:nvPr/>
+        </p:nvSpPr>
+        <p:spPr>
+          <a:xfrm>
+            <a:off x="8737600" y="5152814"/>
+            <a:ext cx="2844800" cy="194720"/>
+          </a:xfrm>
+          <a:prstGeom prst="rect">
+            <a:avLst/>
+          </a:prstGeom>
+          <a:noFill/>
+          <a:ln>
+            <a:noFill/>
+          </a:ln>
+        </p:spPr>
+        <p:txBody>
+          <a:bodyPr spcFirstLastPara="1" wrap="square" lIns="48760" tIns="24373" rIns="48760" bIns="24373" anchor="ctr" anchorCtr="0">
+            <a:noAutofit/>
+          </a:bodyPr>
+          <a:lstStyle/>
+          <a:p>
+            <a:pPr algn="r"/>
+            <a:fld id="{00000000-1234-1234-1234-123412341234}" type="slidenum">
+              <a:rPr lang="en-US" sz="640">
+                <a:solidFill>
+                  <a:srgbClr val="888888"/>
+                </a:solidFill>
+                <a:latin typeface="Calibri"/>
+                <a:ea typeface="Calibri"/>
+                <a:cs typeface="Calibri"/>
+                <a:sym typeface="Calibri"/>
+              </a:rPr>
+              <a:pPr algn="r"/>
+              <a:t>2</a:t>
             </a:fld>
             <a:endParaRPr sz="640">
               <a:solidFill>
@@ -17439,7 +22255,7 @@
     </p:spTree>
     <p:extLst>
       <p:ext uri="{BB962C8B-B14F-4D97-AF65-F5344CB8AC3E}">
-        <p14:creationId xmlns:p14="http://schemas.microsoft.com/office/powerpoint/2010/main" val="103631601"/>
+        <p14:creationId xmlns:p14="http://schemas.microsoft.com/office/powerpoint/2010/main" val="2120497821"/>
       </p:ext>
     </p:extLst>
   </p:cSld>
@@ -17449,7 +22265,7 @@
 </p:sld>
 </file>
 
-<file path=ppt/slides/slide2.xml><?xml version="1.0" encoding="utf-8"?>
+<file path=ppt/slides/slide3.xml><?xml version="1.0" encoding="utf-8"?>
 <p:sld xmlns:a="http://schemas.openxmlformats.org/drawingml/2006/main" xmlns:r="http://schemas.openxmlformats.org/officeDocument/2006/relationships" xmlns:p="http://schemas.openxmlformats.org/presentationml/2006/main">
   <p:cSld>
     <p:spTree>
@@ -17494,7 +22310,7 @@
             <a:fld id="{00000000-1234-1234-1234-123412341234}" type="slidenum">
               <a:rPr lang="en-US"/>
               <a:pPr/>
-              <a:t>2</a:t>
+              <a:t>3</a:t>
             </a:fld>
             <a:endParaRPr/>
           </a:p>
@@ -17537,7 +22353,7 @@
                 <a:sym typeface="Calibri"/>
               </a:rPr>
               <a:pPr algn="r"/>
-              <a:t>2</a:t>
+              <a:t>3</a:t>
             </a:fld>
             <a:endParaRPr sz="640">
               <a:solidFill>
@@ -17736,7 +22552,7 @@
 </p:sld>
 </file>
 
-<file path=ppt/slides/slide3.xml><?xml version="1.0" encoding="utf-8"?>
+<file path=ppt/slides/slide4.xml><?xml version="1.0" encoding="utf-8"?>
 <p:sld xmlns:a="http://schemas.openxmlformats.org/drawingml/2006/main" xmlns:r="http://schemas.openxmlformats.org/officeDocument/2006/relationships" xmlns:p="http://schemas.openxmlformats.org/presentationml/2006/main">
   <p:cSld>
     <p:spTree>
@@ -17781,7 +22597,7 @@
             <a:fld id="{00000000-1234-1234-1234-123412341234}" type="slidenum">
               <a:rPr lang="en-US"/>
               <a:pPr/>
-              <a:t>3</a:t>
+              <a:t>4</a:t>
             </a:fld>
             <a:endParaRPr/>
           </a:p>
@@ -22431,7 +27247,7 @@
 </p:sld>
 </file>
 
-<file path=ppt/slides/slide4.xml><?xml version="1.0" encoding="utf-8"?>
+<file path=ppt/slides/slide5.xml><?xml version="1.0" encoding="utf-8"?>
 <p:sld xmlns:a="http://schemas.openxmlformats.org/drawingml/2006/main" xmlns:r="http://schemas.openxmlformats.org/officeDocument/2006/relationships" xmlns:p="http://schemas.openxmlformats.org/presentationml/2006/main">
   <p:cSld>
     <p:spTree>
@@ -22476,7 +27292,7 @@
             <a:fld id="{00000000-1234-1234-1234-123412341234}" type="slidenum">
               <a:rPr lang="en-US"/>
               <a:pPr/>
-              <a:t>4</a:t>
+              <a:t>5</a:t>
             </a:fld>
             <a:endParaRPr/>
           </a:p>
@@ -22519,7 +27335,7 @@
                 <a:sym typeface="Calibri"/>
               </a:rPr>
               <a:pPr algn="r"/>
-              <a:t>4</a:t>
+              <a:t>5</a:t>
             </a:fld>
             <a:endParaRPr sz="640">
               <a:solidFill>
@@ -22744,7 +27560,7 @@
 </p:sld>
 </file>
 
-<file path=ppt/slides/slide5.xml><?xml version="1.0" encoding="utf-8"?>
+<file path=ppt/slides/slide6.xml><?xml version="1.0" encoding="utf-8"?>
 <p:sld xmlns:a="http://schemas.openxmlformats.org/drawingml/2006/main" xmlns:r="http://schemas.openxmlformats.org/officeDocument/2006/relationships" xmlns:p="http://schemas.openxmlformats.org/presentationml/2006/main">
   <p:cSld>
     <p:spTree>
@@ -28825,7 +33641,7 @@
 </p:sld>
 </file>
 
-<file path=ppt/slides/slide6.xml><?xml version="1.0" encoding="utf-8"?>
+<file path=ppt/slides/slide7.xml><?xml version="1.0" encoding="utf-8"?>
 <p:sld xmlns:a="http://schemas.openxmlformats.org/drawingml/2006/main" xmlns:r="http://schemas.openxmlformats.org/officeDocument/2006/relationships" xmlns:p="http://schemas.openxmlformats.org/presentationml/2006/main">
   <p:cSld>
     <p:spTree>
@@ -28870,7 +33686,7 @@
             <a:fld id="{00000000-1234-1234-1234-123412341234}" type="slidenum">
               <a:rPr lang="en-US"/>
               <a:pPr/>
-              <a:t>6</a:t>
+              <a:t>7</a:t>
             </a:fld>
             <a:endParaRPr/>
           </a:p>
@@ -32105,7 +36921,7 @@
                 <a:sym typeface="Calibri"/>
               </a:rPr>
               <a:pPr algn="r"/>
-              <a:t>6</a:t>
+              <a:t>7</a:t>
             </a:fld>
             <a:endParaRPr sz="640">
               <a:solidFill>
@@ -33772,7 +38588,7 @@
 </p:sld>
 </file>
 
-<file path=ppt/slides/slide7.xml><?xml version="1.0" encoding="utf-8"?>
+<file path=ppt/slides/slide8.xml><?xml version="1.0" encoding="utf-8"?>
 <p:sld xmlns:a="http://schemas.openxmlformats.org/drawingml/2006/main" xmlns:r="http://schemas.openxmlformats.org/officeDocument/2006/relationships" xmlns:p="http://schemas.openxmlformats.org/presentationml/2006/main">
   <p:cSld>
     <p:spTree>
